--- a/第3章STL和基本数据结构.pptx
+++ b/第3章STL和基本数据结构.pptx
@@ -5,61 +5,61 @@
     <p:sldMasterId id="2147483648" r:id="rId1"/>
   </p:sldMasterIdLst>
   <p:notesMasterIdLst>
-    <p:notesMasterId r:id="rId46"/>
+    <p:notesMasterId r:id="rId4"/>
   </p:notesMasterIdLst>
   <p:handoutMasterIdLst>
-    <p:handoutMasterId r:id="rId47"/>
+    <p:handoutMasterId r:id="rId48"/>
   </p:handoutMasterIdLst>
   <p:sldIdLst>
-    <p:sldId id="322" r:id="rId2"/>
-    <p:sldId id="436" r:id="rId3"/>
-    <p:sldId id="577" r:id="rId4"/>
-    <p:sldId id="579" r:id="rId5"/>
-    <p:sldId id="578" r:id="rId6"/>
-    <p:sldId id="580" r:id="rId7"/>
-    <p:sldId id="581" r:id="rId8"/>
-    <p:sldId id="582" r:id="rId9"/>
-    <p:sldId id="583" r:id="rId10"/>
-    <p:sldId id="586" r:id="rId11"/>
-    <p:sldId id="587" r:id="rId12"/>
-    <p:sldId id="588" r:id="rId13"/>
-    <p:sldId id="585" r:id="rId14"/>
-    <p:sldId id="589" r:id="rId15"/>
-    <p:sldId id="590" r:id="rId16"/>
-    <p:sldId id="591" r:id="rId17"/>
-    <p:sldId id="592" r:id="rId18"/>
-    <p:sldId id="593" r:id="rId19"/>
-    <p:sldId id="594" r:id="rId20"/>
-    <p:sldId id="595" r:id="rId21"/>
-    <p:sldId id="596" r:id="rId22"/>
-    <p:sldId id="597" r:id="rId23"/>
-    <p:sldId id="599" r:id="rId24"/>
-    <p:sldId id="598" r:id="rId25"/>
-    <p:sldId id="600" r:id="rId26"/>
-    <p:sldId id="601" r:id="rId27"/>
-    <p:sldId id="602" r:id="rId28"/>
-    <p:sldId id="603" r:id="rId29"/>
-    <p:sldId id="604" r:id="rId30"/>
-    <p:sldId id="605" r:id="rId31"/>
-    <p:sldId id="606" r:id="rId32"/>
-    <p:sldId id="607" r:id="rId33"/>
-    <p:sldId id="608" r:id="rId34"/>
-    <p:sldId id="609" r:id="rId35"/>
-    <p:sldId id="610" r:id="rId36"/>
-    <p:sldId id="611" r:id="rId37"/>
-    <p:sldId id="612" r:id="rId38"/>
-    <p:sldId id="613" r:id="rId39"/>
-    <p:sldId id="614" r:id="rId40"/>
-    <p:sldId id="615" r:id="rId41"/>
-    <p:sldId id="616" r:id="rId42"/>
-    <p:sldId id="617" r:id="rId43"/>
-    <p:sldId id="618" r:id="rId44"/>
-    <p:sldId id="619" r:id="rId45"/>
+    <p:sldId id="322" r:id="rId3"/>
+    <p:sldId id="436" r:id="rId5"/>
+    <p:sldId id="577" r:id="rId6"/>
+    <p:sldId id="579" r:id="rId7"/>
+    <p:sldId id="578" r:id="rId8"/>
+    <p:sldId id="580" r:id="rId9"/>
+    <p:sldId id="581" r:id="rId10"/>
+    <p:sldId id="582" r:id="rId11"/>
+    <p:sldId id="583" r:id="rId12"/>
+    <p:sldId id="586" r:id="rId13"/>
+    <p:sldId id="587" r:id="rId14"/>
+    <p:sldId id="588" r:id="rId15"/>
+    <p:sldId id="585" r:id="rId16"/>
+    <p:sldId id="589" r:id="rId17"/>
+    <p:sldId id="590" r:id="rId18"/>
+    <p:sldId id="591" r:id="rId19"/>
+    <p:sldId id="592" r:id="rId20"/>
+    <p:sldId id="593" r:id="rId21"/>
+    <p:sldId id="594" r:id="rId22"/>
+    <p:sldId id="595" r:id="rId23"/>
+    <p:sldId id="596" r:id="rId24"/>
+    <p:sldId id="597" r:id="rId25"/>
+    <p:sldId id="599" r:id="rId26"/>
+    <p:sldId id="598" r:id="rId27"/>
+    <p:sldId id="600" r:id="rId28"/>
+    <p:sldId id="601" r:id="rId29"/>
+    <p:sldId id="602" r:id="rId30"/>
+    <p:sldId id="603" r:id="rId31"/>
+    <p:sldId id="604" r:id="rId32"/>
+    <p:sldId id="605" r:id="rId33"/>
+    <p:sldId id="606" r:id="rId34"/>
+    <p:sldId id="607" r:id="rId35"/>
+    <p:sldId id="608" r:id="rId36"/>
+    <p:sldId id="609" r:id="rId37"/>
+    <p:sldId id="610" r:id="rId38"/>
+    <p:sldId id="611" r:id="rId39"/>
+    <p:sldId id="612" r:id="rId40"/>
+    <p:sldId id="613" r:id="rId41"/>
+    <p:sldId id="614" r:id="rId42"/>
+    <p:sldId id="615" r:id="rId43"/>
+    <p:sldId id="616" r:id="rId44"/>
+    <p:sldId id="617" r:id="rId45"/>
+    <p:sldId id="618" r:id="rId46"/>
+    <p:sldId id="619" r:id="rId47"/>
   </p:sldIdLst>
   <p:sldSz cx="9144000" cy="6858000" type="screen4x3"/>
   <p:notesSz cx="6858000" cy="9144000"/>
   <p:custDataLst>
-    <p:tags r:id="rId48"/>
+    <p:tags r:id="rId53"/>
   </p:custDataLst>
   <p:defaultTextStyle>
     <a:defPPr>
@@ -242,20 +242,6 @@
         </p14:section>
       </p14:sectionLst>
     </p:ext>
-    <p:ext uri="{EFAFB233-063F-42B5-8137-9DF3F51BA10A}">
-      <p15:sldGuideLst xmlns:p15="http://schemas.microsoft.com/office/powerpoint/2012/main">
-        <p15:guide id="1" orient="horz" pos="2160">
-          <p15:clr>
-            <a:srgbClr val="A4A3A4"/>
-          </p15:clr>
-        </p15:guide>
-        <p15:guide id="2" pos="2880">
-          <p15:clr>
-            <a:srgbClr val="A4A3A4"/>
-          </p15:clr>
-        </p15:guide>
-      </p15:sldGuideLst>
-    </p:ext>
   </p:extLst>
 </p:presentation>
 </file>
@@ -362,7 +348,6 @@
             </a:pPr>
             <a:fld id="{DFC01037-CA74-4609-B64E-B6393D6FB569}" type="datetimeFigureOut">
               <a:rPr lang="zh-CN" altLang="en-US"/>
-              <a:t>2019/4/19</a:t>
             </a:fld>
             <a:endParaRPr lang="zh-CN" altLang="en-US"/>
           </a:p>
@@ -404,6 +389,7 @@
               <a:rPr lang="zh-CN" altLang="en-US"/>
               <a:t>华东理工大学 罗勇军</a:t>
             </a:r>
+            <a:endParaRPr lang="zh-CN" altLang="en-US"/>
           </a:p>
         </p:txBody>
       </p:sp>
@@ -441,7 +427,6 @@
             </a:pPr>
             <a:fld id="{CCD990B2-6F6F-439E-AB5E-FA2362CFC0E8}" type="slidenum">
               <a:rPr lang="zh-CN" altLang="en-US"/>
-              <a:t>‹#›</a:t>
             </a:fld>
             <a:endParaRPr lang="zh-CN" altLang="en-US"/>
           </a:p>
@@ -548,7 +533,6 @@
             </a:pPr>
             <a:fld id="{F7535A6B-B649-4C20-B2AE-80055D070268}" type="datetimeFigureOut">
               <a:rPr lang="zh-CN" altLang="en-US"/>
-              <a:t>2019/4/19</a:t>
             </a:fld>
             <a:endParaRPr lang="zh-CN" altLang="en-US"/>
           </a:p>
@@ -641,6 +625,7 @@
               <a:rPr lang="zh-CN" altLang="en-US" noProof="0"/>
               <a:t>单击此处编辑母版文本样式</a:t>
             </a:r>
+            <a:endParaRPr lang="zh-CN" altLang="en-US" noProof="0"/>
           </a:p>
           <a:p>
             <a:pPr lvl="1"/>
@@ -648,6 +633,7 @@
               <a:rPr lang="zh-CN" altLang="en-US" noProof="0"/>
               <a:t>第二级</a:t>
             </a:r>
+            <a:endParaRPr lang="zh-CN" altLang="en-US" noProof="0"/>
           </a:p>
           <a:p>
             <a:pPr lvl="2"/>
@@ -655,6 +641,7 @@
               <a:rPr lang="zh-CN" altLang="en-US" noProof="0"/>
               <a:t>第三级</a:t>
             </a:r>
+            <a:endParaRPr lang="zh-CN" altLang="en-US" noProof="0"/>
           </a:p>
           <a:p>
             <a:pPr lvl="3"/>
@@ -662,6 +649,7 @@
               <a:rPr lang="zh-CN" altLang="en-US" noProof="0"/>
               <a:t>第四级</a:t>
             </a:r>
+            <a:endParaRPr lang="zh-CN" altLang="en-US" noProof="0"/>
           </a:p>
           <a:p>
             <a:pPr lvl="4"/>
@@ -669,6 +657,7 @@
               <a:rPr lang="zh-CN" altLang="en-US" noProof="0"/>
               <a:t>第五级</a:t>
             </a:r>
+            <a:endParaRPr lang="zh-CN" altLang="en-US" noProof="0"/>
           </a:p>
         </p:txBody>
       </p:sp>
@@ -708,6 +697,7 @@
               <a:rPr lang="zh-CN" altLang="en-US"/>
               <a:t>华东理工大学 罗勇军</a:t>
             </a:r>
+            <a:endParaRPr lang="zh-CN" altLang="en-US"/>
           </a:p>
         </p:txBody>
       </p:sp>
@@ -745,7 +735,6 @@
             </a:pPr>
             <a:fld id="{A1318201-79EC-4801-B6EE-CCFAE2C9D7A0}" type="slidenum">
               <a:rPr lang="zh-CN" altLang="en-US"/>
-              <a:t>‹#›</a:t>
             </a:fld>
             <a:endParaRPr lang="zh-CN" altLang="en-US"/>
           </a:p>
@@ -985,6 +974,7 @@
               <a:rPr lang="zh-CN" altLang="en-US" noProof="1"/>
               <a:t>单击此处编辑母版标题样式</a:t>
             </a:r>
+            <a:endParaRPr lang="zh-CN" altLang="en-US" noProof="1"/>
           </a:p>
         </p:txBody>
       </p:sp>
@@ -1049,6 +1039,7 @@
               <a:rPr lang="zh-CN" altLang="en-US" noProof="1"/>
               <a:t>单击此处编辑母版副标题样式</a:t>
             </a:r>
+            <a:endParaRPr lang="zh-CN" altLang="en-US" noProof="1"/>
           </a:p>
         </p:txBody>
       </p:sp>
@@ -1132,7 +1123,6 @@
             </a:pPr>
             <a:fld id="{0DF1AE97-AF5C-4CDE-80A4-4944EBDBE3B2}" type="slidenum">
               <a:rPr lang="en-US" altLang="zh-CN"/>
-              <a:t>‹#›</a:t>
             </a:fld>
             <a:endParaRPr lang="zh-CN"/>
           </a:p>
@@ -1182,6 +1172,7 @@
               <a:rPr lang="zh-CN" altLang="en-US" noProof="1"/>
               <a:t>单击此处编辑母版标题样式</a:t>
             </a:r>
+            <a:endParaRPr lang="zh-CN" altLang="en-US" noProof="1"/>
           </a:p>
         </p:txBody>
       </p:sp>
@@ -1205,6 +1196,7 @@
               <a:rPr lang="zh-CN" altLang="en-US" noProof="1"/>
               <a:t>单击此处编辑母版文本样式</a:t>
             </a:r>
+            <a:endParaRPr lang="zh-CN" altLang="en-US" noProof="1"/>
           </a:p>
           <a:p>
             <a:pPr lvl="1"/>
@@ -1212,6 +1204,7 @@
               <a:rPr lang="zh-CN" altLang="en-US" noProof="1"/>
               <a:t>第二级</a:t>
             </a:r>
+            <a:endParaRPr lang="zh-CN" altLang="en-US" noProof="1"/>
           </a:p>
           <a:p>
             <a:pPr lvl="2"/>
@@ -1219,6 +1212,7 @@
               <a:rPr lang="zh-CN" altLang="en-US" noProof="1"/>
               <a:t>第三级</a:t>
             </a:r>
+            <a:endParaRPr lang="zh-CN" altLang="en-US" noProof="1"/>
           </a:p>
           <a:p>
             <a:pPr lvl="3"/>
@@ -1226,6 +1220,7 @@
               <a:rPr lang="zh-CN" altLang="en-US" noProof="1"/>
               <a:t>第四级</a:t>
             </a:r>
+            <a:endParaRPr lang="zh-CN" altLang="en-US" noProof="1"/>
           </a:p>
           <a:p>
             <a:pPr lvl="4"/>
@@ -1233,6 +1228,7 @@
               <a:rPr lang="zh-CN" altLang="en-US" noProof="1"/>
               <a:t>第五级</a:t>
             </a:r>
+            <a:endParaRPr lang="zh-CN" altLang="en-US" noProof="1"/>
           </a:p>
         </p:txBody>
       </p:sp>
@@ -1316,7 +1312,6 @@
             </a:pPr>
             <a:fld id="{A8CFCF03-DA63-4DA6-8FFC-A160D33960F1}" type="slidenum">
               <a:rPr lang="en-US" altLang="zh-CN"/>
-              <a:t>‹#›</a:t>
             </a:fld>
             <a:endParaRPr lang="zh-CN"/>
           </a:p>
@@ -1371,6 +1366,7 @@
               <a:rPr lang="zh-CN" altLang="en-US" noProof="1"/>
               <a:t>单击此处编辑母版标题样式</a:t>
             </a:r>
+            <a:endParaRPr lang="zh-CN" altLang="en-US" noProof="1"/>
           </a:p>
         </p:txBody>
       </p:sp>
@@ -1399,6 +1395,7 @@
               <a:rPr lang="zh-CN" altLang="en-US" noProof="1"/>
               <a:t>单击此处编辑母版文本样式</a:t>
             </a:r>
+            <a:endParaRPr lang="zh-CN" altLang="en-US" noProof="1"/>
           </a:p>
           <a:p>
             <a:pPr lvl="1"/>
@@ -1406,6 +1403,7 @@
               <a:rPr lang="zh-CN" altLang="en-US" noProof="1"/>
               <a:t>第二级</a:t>
             </a:r>
+            <a:endParaRPr lang="zh-CN" altLang="en-US" noProof="1"/>
           </a:p>
           <a:p>
             <a:pPr lvl="2"/>
@@ -1413,6 +1411,7 @@
               <a:rPr lang="zh-CN" altLang="en-US" noProof="1"/>
               <a:t>第三级</a:t>
             </a:r>
+            <a:endParaRPr lang="zh-CN" altLang="en-US" noProof="1"/>
           </a:p>
           <a:p>
             <a:pPr lvl="3"/>
@@ -1420,6 +1419,7 @@
               <a:rPr lang="zh-CN" altLang="en-US" noProof="1"/>
               <a:t>第四级</a:t>
             </a:r>
+            <a:endParaRPr lang="zh-CN" altLang="en-US" noProof="1"/>
           </a:p>
           <a:p>
             <a:pPr lvl="4"/>
@@ -1427,6 +1427,7 @@
               <a:rPr lang="zh-CN" altLang="en-US" noProof="1"/>
               <a:t>第五级</a:t>
             </a:r>
+            <a:endParaRPr lang="zh-CN" altLang="en-US" noProof="1"/>
           </a:p>
         </p:txBody>
       </p:sp>
@@ -1510,7 +1511,6 @@
             </a:pPr>
             <a:fld id="{295994B2-8892-442E-A221-CF0275C99B6F}" type="slidenum">
               <a:rPr lang="en-US" altLang="zh-CN"/>
-              <a:t>‹#›</a:t>
             </a:fld>
             <a:endParaRPr lang="zh-CN"/>
           </a:p>
@@ -1560,6 +1560,7 @@
               <a:rPr lang="zh-CN" altLang="en-US" noProof="1"/>
               <a:t>单击此处编辑母版标题样式</a:t>
             </a:r>
+            <a:endParaRPr lang="zh-CN" altLang="en-US" noProof="1"/>
           </a:p>
         </p:txBody>
       </p:sp>
@@ -1588,6 +1589,7 @@
               <a:rPr lang="zh-CN" altLang="en-US" noProof="1"/>
               <a:t>单击此处编辑母版文本样式</a:t>
             </a:r>
+            <a:endParaRPr lang="zh-CN" altLang="en-US" noProof="1"/>
           </a:p>
           <a:p>
             <a:pPr lvl="1"/>
@@ -1595,6 +1597,7 @@
               <a:rPr lang="zh-CN" altLang="en-US" noProof="1"/>
               <a:t>第二级</a:t>
             </a:r>
+            <a:endParaRPr lang="zh-CN" altLang="en-US" noProof="1"/>
           </a:p>
           <a:p>
             <a:pPr lvl="2"/>
@@ -1602,6 +1605,7 @@
               <a:rPr lang="zh-CN" altLang="en-US" noProof="1"/>
               <a:t>第三级</a:t>
             </a:r>
+            <a:endParaRPr lang="zh-CN" altLang="en-US" noProof="1"/>
           </a:p>
           <a:p>
             <a:pPr lvl="3"/>
@@ -1609,6 +1613,7 @@
               <a:rPr lang="zh-CN" altLang="en-US" noProof="1"/>
               <a:t>第四级</a:t>
             </a:r>
+            <a:endParaRPr lang="zh-CN" altLang="en-US" noProof="1"/>
           </a:p>
           <a:p>
             <a:pPr lvl="4"/>
@@ -1616,6 +1621,7 @@
               <a:rPr lang="zh-CN" altLang="en-US" noProof="1"/>
               <a:t>第五级</a:t>
             </a:r>
+            <a:endParaRPr lang="zh-CN" altLang="en-US" noProof="1"/>
           </a:p>
         </p:txBody>
       </p:sp>
@@ -1644,6 +1650,7 @@
               <a:rPr lang="zh-CN" altLang="en-US" noProof="1"/>
               <a:t>单击此处编辑母版文本样式</a:t>
             </a:r>
+            <a:endParaRPr lang="zh-CN" altLang="en-US" noProof="1"/>
           </a:p>
           <a:p>
             <a:pPr lvl="1"/>
@@ -1651,6 +1658,7 @@
               <a:rPr lang="zh-CN" altLang="en-US" noProof="1"/>
               <a:t>第二级</a:t>
             </a:r>
+            <a:endParaRPr lang="zh-CN" altLang="en-US" noProof="1"/>
           </a:p>
           <a:p>
             <a:pPr lvl="2"/>
@@ -1658,6 +1666,7 @@
               <a:rPr lang="zh-CN" altLang="en-US" noProof="1"/>
               <a:t>第三级</a:t>
             </a:r>
+            <a:endParaRPr lang="zh-CN" altLang="en-US" noProof="1"/>
           </a:p>
           <a:p>
             <a:pPr lvl="3"/>
@@ -1665,6 +1674,7 @@
               <a:rPr lang="zh-CN" altLang="en-US" noProof="1"/>
               <a:t>第四级</a:t>
             </a:r>
+            <a:endParaRPr lang="zh-CN" altLang="en-US" noProof="1"/>
           </a:p>
           <a:p>
             <a:pPr lvl="4"/>
@@ -1672,6 +1682,7 @@
               <a:rPr lang="zh-CN" altLang="en-US" noProof="1"/>
               <a:t>第五级</a:t>
             </a:r>
+            <a:endParaRPr lang="zh-CN" altLang="en-US" noProof="1"/>
           </a:p>
         </p:txBody>
       </p:sp>
@@ -1755,7 +1766,6 @@
             </a:pPr>
             <a:fld id="{2D6E3221-5F71-413E-94DE-7A5C6386986E}" type="slidenum">
               <a:rPr lang="en-US" altLang="zh-CN"/>
-              <a:t>‹#›</a:t>
             </a:fld>
             <a:endParaRPr lang="zh-CN"/>
           </a:p>
@@ -1805,6 +1815,7 @@
               <a:rPr lang="zh-CN" altLang="en-US" noProof="1"/>
               <a:t>单击此处编辑母版标题样式</a:t>
             </a:r>
+            <a:endParaRPr lang="zh-CN" altLang="en-US" noProof="1"/>
           </a:p>
         </p:txBody>
       </p:sp>
@@ -1828,6 +1839,7 @@
               <a:rPr lang="zh-CN" altLang="en-US" noProof="1"/>
               <a:t>单击此处编辑母版文本样式</a:t>
             </a:r>
+            <a:endParaRPr lang="zh-CN" altLang="en-US" noProof="1"/>
           </a:p>
           <a:p>
             <a:pPr lvl="1"/>
@@ -1835,6 +1847,7 @@
               <a:rPr lang="zh-CN" altLang="en-US" noProof="1"/>
               <a:t>第二级</a:t>
             </a:r>
+            <a:endParaRPr lang="zh-CN" altLang="en-US" noProof="1"/>
           </a:p>
           <a:p>
             <a:pPr lvl="2"/>
@@ -1842,6 +1855,7 @@
               <a:rPr lang="zh-CN" altLang="en-US" noProof="1"/>
               <a:t>第三级</a:t>
             </a:r>
+            <a:endParaRPr lang="zh-CN" altLang="en-US" noProof="1"/>
           </a:p>
           <a:p>
             <a:pPr lvl="3"/>
@@ -1849,6 +1863,7 @@
               <a:rPr lang="zh-CN" altLang="en-US" noProof="1"/>
               <a:t>第四级</a:t>
             </a:r>
+            <a:endParaRPr lang="zh-CN" altLang="en-US" noProof="1"/>
           </a:p>
           <a:p>
             <a:pPr lvl="4"/>
@@ -1856,6 +1871,7 @@
               <a:rPr lang="zh-CN" altLang="en-US" noProof="1"/>
               <a:t>第五级</a:t>
             </a:r>
+            <a:endParaRPr lang="zh-CN" altLang="en-US" noProof="1"/>
           </a:p>
         </p:txBody>
       </p:sp>
@@ -1939,7 +1955,6 @@
             </a:pPr>
             <a:fld id="{BFEB3A5B-B574-4884-A79D-898D03EDF455}" type="slidenum">
               <a:rPr lang="en-US" altLang="zh-CN"/>
-              <a:t>‹#›</a:t>
             </a:fld>
             <a:endParaRPr lang="zh-CN"/>
           </a:p>
@@ -1998,6 +2013,7 @@
               <a:rPr lang="zh-CN" altLang="en-US" noProof="1"/>
               <a:t>单击此处编辑母版标题样式</a:t>
             </a:r>
+            <a:endParaRPr lang="zh-CN" altLang="en-US" noProof="1"/>
           </a:p>
         </p:txBody>
       </p:sp>
@@ -2117,6 +2133,7 @@
               <a:rPr lang="zh-CN" altLang="en-US" noProof="1"/>
               <a:t>单击此处编辑母版文本样式</a:t>
             </a:r>
+            <a:endParaRPr lang="zh-CN" altLang="en-US" noProof="1"/>
           </a:p>
         </p:txBody>
       </p:sp>
@@ -2200,7 +2217,6 @@
             </a:pPr>
             <a:fld id="{B31F33BB-22D5-4ED2-9ACB-88F7F16078F5}" type="slidenum">
               <a:rPr lang="en-US" altLang="zh-CN"/>
-              <a:t>‹#›</a:t>
             </a:fld>
             <a:endParaRPr lang="zh-CN"/>
           </a:p>
@@ -2250,6 +2266,7 @@
               <a:rPr lang="zh-CN" altLang="en-US" noProof="1"/>
               <a:t>单击此处编辑母版标题样式</a:t>
             </a:r>
+            <a:endParaRPr lang="zh-CN" altLang="en-US" noProof="1"/>
           </a:p>
         </p:txBody>
       </p:sp>
@@ -2278,6 +2295,7 @@
               <a:rPr lang="zh-CN" altLang="en-US" noProof="1"/>
               <a:t>单击此处编辑母版文本样式</a:t>
             </a:r>
+            <a:endParaRPr lang="zh-CN" altLang="en-US" noProof="1"/>
           </a:p>
           <a:p>
             <a:pPr lvl="1"/>
@@ -2285,6 +2303,7 @@
               <a:rPr lang="zh-CN" altLang="en-US" noProof="1"/>
               <a:t>第二级</a:t>
             </a:r>
+            <a:endParaRPr lang="zh-CN" altLang="en-US" noProof="1"/>
           </a:p>
           <a:p>
             <a:pPr lvl="2"/>
@@ -2292,6 +2311,7 @@
               <a:rPr lang="zh-CN" altLang="en-US" noProof="1"/>
               <a:t>第三级</a:t>
             </a:r>
+            <a:endParaRPr lang="zh-CN" altLang="en-US" noProof="1"/>
           </a:p>
           <a:p>
             <a:pPr lvl="3"/>
@@ -2299,6 +2319,7 @@
               <a:rPr lang="zh-CN" altLang="en-US" noProof="1"/>
               <a:t>第四级</a:t>
             </a:r>
+            <a:endParaRPr lang="zh-CN" altLang="en-US" noProof="1"/>
           </a:p>
           <a:p>
             <a:pPr lvl="4"/>
@@ -2306,6 +2327,7 @@
               <a:rPr lang="zh-CN" altLang="en-US" noProof="1"/>
               <a:t>第五级</a:t>
             </a:r>
+            <a:endParaRPr lang="zh-CN" altLang="en-US" noProof="1"/>
           </a:p>
         </p:txBody>
       </p:sp>
@@ -2334,6 +2356,7 @@
               <a:rPr lang="zh-CN" altLang="en-US" noProof="1"/>
               <a:t>单击此处编辑母版文本样式</a:t>
             </a:r>
+            <a:endParaRPr lang="zh-CN" altLang="en-US" noProof="1"/>
           </a:p>
           <a:p>
             <a:pPr lvl="1"/>
@@ -2341,6 +2364,7 @@
               <a:rPr lang="zh-CN" altLang="en-US" noProof="1"/>
               <a:t>第二级</a:t>
             </a:r>
+            <a:endParaRPr lang="zh-CN" altLang="en-US" noProof="1"/>
           </a:p>
           <a:p>
             <a:pPr lvl="2"/>
@@ -2348,6 +2372,7 @@
               <a:rPr lang="zh-CN" altLang="en-US" noProof="1"/>
               <a:t>第三级</a:t>
             </a:r>
+            <a:endParaRPr lang="zh-CN" altLang="en-US" noProof="1"/>
           </a:p>
           <a:p>
             <a:pPr lvl="3"/>
@@ -2355,6 +2380,7 @@
               <a:rPr lang="zh-CN" altLang="en-US" noProof="1"/>
               <a:t>第四级</a:t>
             </a:r>
+            <a:endParaRPr lang="zh-CN" altLang="en-US" noProof="1"/>
           </a:p>
           <a:p>
             <a:pPr lvl="4"/>
@@ -2362,6 +2388,7 @@
               <a:rPr lang="zh-CN" altLang="en-US" noProof="1"/>
               <a:t>第五级</a:t>
             </a:r>
+            <a:endParaRPr lang="zh-CN" altLang="en-US" noProof="1"/>
           </a:p>
         </p:txBody>
       </p:sp>
@@ -2445,7 +2472,6 @@
             </a:pPr>
             <a:fld id="{DC21EB02-AD20-4D19-9589-12816B5F5AB0}" type="slidenum">
               <a:rPr lang="en-US" altLang="zh-CN"/>
-              <a:t>‹#›</a:t>
             </a:fld>
             <a:endParaRPr lang="zh-CN"/>
           </a:p>
@@ -2500,6 +2526,7 @@
               <a:rPr lang="zh-CN" altLang="en-US" noProof="1"/>
               <a:t>单击此处编辑母版标题样式</a:t>
             </a:r>
+            <a:endParaRPr lang="zh-CN" altLang="en-US" noProof="1"/>
           </a:p>
         </p:txBody>
       </p:sp>
@@ -2565,6 +2592,7 @@
               <a:rPr lang="zh-CN" altLang="en-US" noProof="1"/>
               <a:t>单击此处编辑母版文本样式</a:t>
             </a:r>
+            <a:endParaRPr lang="zh-CN" altLang="en-US" noProof="1"/>
           </a:p>
         </p:txBody>
       </p:sp>
@@ -2593,6 +2621,7 @@
               <a:rPr lang="zh-CN" altLang="en-US" noProof="1"/>
               <a:t>单击此处编辑母版文本样式</a:t>
             </a:r>
+            <a:endParaRPr lang="zh-CN" altLang="en-US" noProof="1"/>
           </a:p>
           <a:p>
             <a:pPr lvl="1"/>
@@ -2600,6 +2629,7 @@
               <a:rPr lang="zh-CN" altLang="en-US" noProof="1"/>
               <a:t>第二级</a:t>
             </a:r>
+            <a:endParaRPr lang="zh-CN" altLang="en-US" noProof="1"/>
           </a:p>
           <a:p>
             <a:pPr lvl="2"/>
@@ -2607,6 +2637,7 @@
               <a:rPr lang="zh-CN" altLang="en-US" noProof="1"/>
               <a:t>第三级</a:t>
             </a:r>
+            <a:endParaRPr lang="zh-CN" altLang="en-US" noProof="1"/>
           </a:p>
           <a:p>
             <a:pPr lvl="3"/>
@@ -2614,6 +2645,7 @@
               <a:rPr lang="zh-CN" altLang="en-US" noProof="1"/>
               <a:t>第四级</a:t>
             </a:r>
+            <a:endParaRPr lang="zh-CN" altLang="en-US" noProof="1"/>
           </a:p>
           <a:p>
             <a:pPr lvl="4"/>
@@ -2621,6 +2653,7 @@
               <a:rPr lang="zh-CN" altLang="en-US" noProof="1"/>
               <a:t>第五级</a:t>
             </a:r>
+            <a:endParaRPr lang="zh-CN" altLang="en-US" noProof="1"/>
           </a:p>
         </p:txBody>
       </p:sp>
@@ -2686,6 +2719,7 @@
               <a:rPr lang="zh-CN" altLang="en-US" noProof="1"/>
               <a:t>单击此处编辑母版文本样式</a:t>
             </a:r>
+            <a:endParaRPr lang="zh-CN" altLang="en-US" noProof="1"/>
           </a:p>
         </p:txBody>
       </p:sp>
@@ -2714,6 +2748,7 @@
               <a:rPr lang="zh-CN" altLang="en-US" noProof="1"/>
               <a:t>单击此处编辑母版文本样式</a:t>
             </a:r>
+            <a:endParaRPr lang="zh-CN" altLang="en-US" noProof="1"/>
           </a:p>
           <a:p>
             <a:pPr lvl="1"/>
@@ -2721,6 +2756,7 @@
               <a:rPr lang="zh-CN" altLang="en-US" noProof="1"/>
               <a:t>第二级</a:t>
             </a:r>
+            <a:endParaRPr lang="zh-CN" altLang="en-US" noProof="1"/>
           </a:p>
           <a:p>
             <a:pPr lvl="2"/>
@@ -2728,6 +2764,7 @@
               <a:rPr lang="zh-CN" altLang="en-US" noProof="1"/>
               <a:t>第三级</a:t>
             </a:r>
+            <a:endParaRPr lang="zh-CN" altLang="en-US" noProof="1"/>
           </a:p>
           <a:p>
             <a:pPr lvl="3"/>
@@ -2735,6 +2772,7 @@
               <a:rPr lang="zh-CN" altLang="en-US" noProof="1"/>
               <a:t>第四级</a:t>
             </a:r>
+            <a:endParaRPr lang="zh-CN" altLang="en-US" noProof="1"/>
           </a:p>
           <a:p>
             <a:pPr lvl="4"/>
@@ -2742,6 +2780,7 @@
               <a:rPr lang="zh-CN" altLang="en-US" noProof="1"/>
               <a:t>第五级</a:t>
             </a:r>
+            <a:endParaRPr lang="zh-CN" altLang="en-US" noProof="1"/>
           </a:p>
         </p:txBody>
       </p:sp>
@@ -2825,7 +2864,6 @@
             </a:pPr>
             <a:fld id="{1DDF14F8-D6AE-4204-B4E9-F62D2A1568C6}" type="slidenum">
               <a:rPr lang="en-US" altLang="zh-CN"/>
-              <a:t>‹#›</a:t>
             </a:fld>
             <a:endParaRPr lang="zh-CN"/>
           </a:p>
@@ -2875,6 +2913,7 @@
               <a:rPr lang="zh-CN" altLang="en-US" noProof="1"/>
               <a:t>单击此处编辑母版标题样式</a:t>
             </a:r>
+            <a:endParaRPr lang="zh-CN" altLang="en-US" noProof="1"/>
           </a:p>
         </p:txBody>
       </p:sp>
@@ -2958,7 +2997,6 @@
             </a:pPr>
             <a:fld id="{B745C919-4083-4192-8715-2FD555B4BFED}" type="slidenum">
               <a:rPr lang="en-US" altLang="zh-CN"/>
-              <a:t>‹#›</a:t>
             </a:fld>
             <a:endParaRPr lang="zh-CN"/>
           </a:p>
@@ -3069,7 +3107,6 @@
             </a:pPr>
             <a:fld id="{C748A3B0-CA10-42F9-802F-9EA16C192121}" type="slidenum">
               <a:rPr lang="en-US" altLang="zh-CN"/>
-              <a:t>‹#›</a:t>
             </a:fld>
             <a:endParaRPr lang="zh-CN"/>
           </a:p>
@@ -3128,6 +3165,7 @@
               <a:rPr lang="zh-CN" altLang="en-US" noProof="1"/>
               <a:t>单击此处编辑母版标题样式</a:t>
             </a:r>
+            <a:endParaRPr lang="zh-CN" altLang="en-US" noProof="1"/>
           </a:p>
         </p:txBody>
       </p:sp>
@@ -3184,6 +3222,7 @@
               <a:rPr lang="zh-CN" altLang="en-US" noProof="1"/>
               <a:t>单击此处编辑母版文本样式</a:t>
             </a:r>
+            <a:endParaRPr lang="zh-CN" altLang="en-US" noProof="1"/>
           </a:p>
           <a:p>
             <a:pPr lvl="1"/>
@@ -3191,6 +3230,7 @@
               <a:rPr lang="zh-CN" altLang="en-US" noProof="1"/>
               <a:t>第二级</a:t>
             </a:r>
+            <a:endParaRPr lang="zh-CN" altLang="en-US" noProof="1"/>
           </a:p>
           <a:p>
             <a:pPr lvl="2"/>
@@ -3198,6 +3238,7 @@
               <a:rPr lang="zh-CN" altLang="en-US" noProof="1"/>
               <a:t>第三级</a:t>
             </a:r>
+            <a:endParaRPr lang="zh-CN" altLang="en-US" noProof="1"/>
           </a:p>
           <a:p>
             <a:pPr lvl="3"/>
@@ -3205,6 +3246,7 @@
               <a:rPr lang="zh-CN" altLang="en-US" noProof="1"/>
               <a:t>第四级</a:t>
             </a:r>
+            <a:endParaRPr lang="zh-CN" altLang="en-US" noProof="1"/>
           </a:p>
           <a:p>
             <a:pPr lvl="4"/>
@@ -3212,6 +3254,7 @@
               <a:rPr lang="zh-CN" altLang="en-US" noProof="1"/>
               <a:t>第五级</a:t>
             </a:r>
+            <a:endParaRPr lang="zh-CN" altLang="en-US" noProof="1"/>
           </a:p>
         </p:txBody>
       </p:sp>
@@ -3277,6 +3320,7 @@
               <a:rPr lang="zh-CN" altLang="en-US" noProof="1"/>
               <a:t>单击此处编辑母版文本样式</a:t>
             </a:r>
+            <a:endParaRPr lang="zh-CN" altLang="en-US" noProof="1"/>
           </a:p>
         </p:txBody>
       </p:sp>
@@ -3360,7 +3404,6 @@
             </a:pPr>
             <a:fld id="{EB84F3E8-8E2B-4F6A-86BB-1587297AE390}" type="slidenum">
               <a:rPr lang="en-US" altLang="zh-CN"/>
-              <a:t>‹#›</a:t>
             </a:fld>
             <a:endParaRPr lang="zh-CN"/>
           </a:p>
@@ -3419,6 +3462,7 @@
               <a:rPr lang="zh-CN" altLang="en-US" noProof="1"/>
               <a:t>单击此处编辑母版标题样式</a:t>
             </a:r>
+            <a:endParaRPr lang="zh-CN" altLang="en-US" noProof="1"/>
           </a:p>
         </p:txBody>
       </p:sp>
@@ -3546,6 +3590,7 @@
               <a:rPr lang="zh-CN" altLang="en-US" noProof="1"/>
               <a:t>单击此处编辑母版文本样式</a:t>
             </a:r>
+            <a:endParaRPr lang="zh-CN" altLang="en-US" noProof="1"/>
           </a:p>
         </p:txBody>
       </p:sp>
@@ -3629,7 +3674,6 @@
             </a:pPr>
             <a:fld id="{A4B88A3E-6C38-4204-BE1C-0DF8D9E7AFB1}" type="slidenum">
               <a:rPr lang="en-US" altLang="zh-CN"/>
-              <a:t>‹#›</a:t>
             </a:fld>
             <a:endParaRPr lang="zh-CN"/>
           </a:p>
@@ -3719,6 +3763,7 @@
               <a:rPr lang="zh-CN" altLang="en-US"/>
               <a:t>单击此处编辑母版标题样式</a:t>
             </a:r>
+            <a:endParaRPr lang="zh-CN" altLang="en-US"/>
           </a:p>
         </p:txBody>
       </p:sp>
@@ -3773,6 +3818,7 @@
               <a:rPr lang="zh-CN" altLang="en-US"/>
               <a:t>单击此处编辑母版文本样式</a:t>
             </a:r>
+            <a:endParaRPr lang="zh-CN" altLang="en-US"/>
           </a:p>
           <a:p>
             <a:pPr lvl="1"/>
@@ -3780,6 +3826,7 @@
               <a:rPr lang="zh-CN" altLang="en-US"/>
               <a:t>第二级</a:t>
             </a:r>
+            <a:endParaRPr lang="zh-CN" altLang="en-US"/>
           </a:p>
           <a:p>
             <a:pPr lvl="2"/>
@@ -3787,6 +3834,7 @@
               <a:rPr lang="zh-CN" altLang="en-US"/>
               <a:t>第三级</a:t>
             </a:r>
+            <a:endParaRPr lang="zh-CN" altLang="en-US"/>
           </a:p>
           <a:p>
             <a:pPr lvl="3"/>
@@ -3794,6 +3842,7 @@
               <a:rPr lang="zh-CN" altLang="en-US"/>
               <a:t>第四级</a:t>
             </a:r>
+            <a:endParaRPr lang="zh-CN" altLang="en-US"/>
           </a:p>
           <a:p>
             <a:pPr lvl="4"/>
@@ -3801,6 +3850,7 @@
               <a:rPr lang="zh-CN" altLang="en-US"/>
               <a:t>第五级</a:t>
             </a:r>
+            <a:endParaRPr lang="zh-CN" altLang="en-US"/>
           </a:p>
         </p:txBody>
       </p:sp>
@@ -3931,7 +3981,6 @@
             </a:pPr>
             <a:fld id="{8EB22542-C3C6-4D52-AF75-76355F5F73B7}" type="slidenum">
               <a:rPr lang="en-US" altLang="zh-CN"/>
-              <a:t>‹#›</a:t>
             </a:fld>
             <a:endParaRPr lang="zh-CN">
               <a:cs typeface="+mn-cs"/>
@@ -4450,12 +4499,12 @@
           <a:graphicData uri="http://schemas.openxmlformats.org/presentationml/2006/ole">
             <mc:AlternateContent xmlns:mc="http://schemas.openxmlformats.org/markup-compatibility/2006">
               <mc:Choice xmlns:v="urn:schemas-microsoft-com:vml" Requires="v">
-                <p:oleObj spid="_x0000_s16490" r:id="rId4" imgW="2514600" imgH="2847975" progId="Paint.Picture">
+                <p:oleObj spid="_x0000_s16490" name="" r:id="rId1" imgW="2514600" imgH="2847975" progId="Paint.Picture">
                   <p:embed/>
                 </p:oleObj>
               </mc:Choice>
               <mc:Fallback>
-                <p:oleObj r:id="rId4" imgW="2514600" imgH="2847975" progId="Paint.Picture">
+                <p:oleObj name="" r:id="rId1" imgW="2514600" imgH="2847975" progId="Paint.Picture">
                   <p:embed/>
                   <p:pic>
                     <p:nvPicPr>
@@ -4466,7 +4515,7 @@
                       <p:nvPr/>
                     </p:nvPicPr>
                     <p:blipFill>
-                      <a:blip r:embed="rId5">
+                      <a:blip r:embed="rId2">
                         <a:extLst>
                           <a:ext uri="{28A0092B-C50C-407E-A947-70E740481C1C}">
                             <a14:useLocalDpi xmlns:a14="http://schemas.microsoft.com/office/drawing/2010/main" val="0"/>
@@ -4546,6 +4595,11 @@
               </a:rPr>
               <a:t>算法竞赛入门到进阶</a:t>
             </a:r>
+            <a:endParaRPr lang="zh-CN" altLang="en-US" sz="5400">
+              <a:solidFill>
+                <a:srgbClr val="FF0000"/>
+              </a:solidFill>
+            </a:endParaRPr>
           </a:p>
         </p:txBody>
       </p:sp>
@@ -4578,6 +4632,7 @@
               <a:rPr lang="en-US" altLang="zh-CN" sz="2800"/>
               <a:t>QQ 15512356</a:t>
             </a:r>
+            <a:endParaRPr lang="en-US" altLang="zh-CN" sz="2800"/>
           </a:p>
           <a:p>
             <a:pPr eaLnBrk="1" hangingPunct="1"/>
@@ -4585,6 +4640,7 @@
               <a:rPr lang="zh-CN" altLang="en-US" sz="2800"/>
               <a:t>华东理工大学</a:t>
             </a:r>
+            <a:endParaRPr lang="zh-CN" altLang="en-US" sz="2800"/>
           </a:p>
           <a:p>
             <a:pPr eaLnBrk="1" hangingPunct="1"/>
@@ -4594,7 +4650,7 @@
             <a:pPr eaLnBrk="1" hangingPunct="1"/>
             <a:r>
               <a:rPr lang="zh-CN" altLang="en-US" sz="2400"/>
-              <a:t>本课件可自由传播</a:t>
+              <a:t> </a:t>
             </a:r>
             <a:endParaRPr lang="en-US" altLang="zh-CN" sz="2400"/>
           </a:p>
@@ -4622,7 +4678,7 @@
             </a:r>
             <a:r>
               <a:rPr lang="en-US" altLang="zh-CN">
-                <a:hlinkClick r:id="rId6"/>
+                <a:hlinkClick r:id="rId3"/>
               </a:rPr>
               <a:t>https://github.com/luoyongjun999/code</a:t>
             </a:r>
@@ -4696,6 +4752,12 @@
               </a:rPr>
               <a:t>hdu 4841圆桌问题</a:t>
             </a:r>
+            <a:endParaRPr lang="zh-CN" altLang="en-US" sz="3600" dirty="0">
+              <a:solidFill>
+                <a:srgbClr val="0070C0"/>
+              </a:solidFill>
+              <a:sym typeface="+mn-ea"/>
+            </a:endParaRPr>
           </a:p>
         </p:txBody>
       </p:sp>
@@ -4718,24 +4780,20 @@
               <a:rPr lang="zh-CN" altLang="en-US"/>
               <a:t>圆桌上围坐着2n个人。其中n个人是好人，另外n个人是坏人。从第一个人开始数数，数到第m个人，立即赶走该人；然后从被赶走的人之后开始数数，再将数到的第m个人赶走……依此方法不断赶走围坐在圆桌上的人。</a:t>
             </a:r>
+            <a:endParaRPr lang="zh-CN" altLang="en-US"/>
           </a:p>
           <a:p>
             <a:r>
               <a:rPr lang="zh-CN" altLang="en-US"/>
               <a:t>预先应如何安排这些好人与坏人的座位，能使得在赶走n个人之后，圆桌上围坐的剩余的n个人全是好人？</a:t>
             </a:r>
+            <a:endParaRPr lang="zh-CN" altLang="en-US"/>
           </a:p>
         </p:txBody>
       </p:sp>
       <p:sp>
         <p:nvSpPr>
-          <p:cNvPr id="4" name="页脚占位符 3">
-            <a:extLst>
-              <a:ext uri="{FF2B5EF4-FFF2-40B4-BE49-F238E27FC236}">
-                <a16:creationId xmlns:a16="http://schemas.microsoft.com/office/drawing/2014/main" id="{BCEE229F-67C7-458D-8A49-962DED19B576}"/>
-              </a:ext>
-            </a:extLst>
-          </p:cNvPr>
+          <p:cNvPr id="4" name="页脚占位符 3"/>
           <p:cNvSpPr>
             <a:spLocks noGrp="1"/>
           </p:cNvSpPr>
@@ -4812,6 +4870,11 @@
               </a:rPr>
               <a:t>约瑟夫问题。用vector模拟动态变化的圆桌。</a:t>
             </a:r>
+            <a:endParaRPr lang="zh-CN" altLang="en-US" sz="2800">
+              <a:solidFill>
+                <a:srgbClr val="0070C0"/>
+              </a:solidFill>
+            </a:endParaRPr>
           </a:p>
         </p:txBody>
       </p:sp>
@@ -4842,6 +4905,7 @@
               <a:rPr lang="zh-CN" altLang="en-US" sz="1400" dirty="0"/>
               <a:t>#include&lt;bits/stdc++.h&gt;</a:t>
             </a:r>
+            <a:endParaRPr lang="zh-CN" altLang="en-US" sz="1400" dirty="0"/>
           </a:p>
           <a:p>
             <a:pPr marL="0" indent="0">
@@ -4861,6 +4925,7 @@
               <a:rPr lang="zh-CN" altLang="en-US" sz="1800" dirty="0"/>
               <a:t>int main(){</a:t>
             </a:r>
+            <a:endParaRPr lang="zh-CN" altLang="en-US" sz="1800" dirty="0"/>
           </a:p>
           <a:p>
             <a:pPr marL="0" indent="0">
@@ -4882,6 +4947,7 @@
               <a:rPr lang="zh-CN" altLang="en-US" sz="1800" dirty="0"/>
               <a:t>                          //模拟圆桌</a:t>
             </a:r>
+            <a:endParaRPr lang="zh-CN" altLang="en-US" sz="1800" dirty="0"/>
           </a:p>
           <a:p>
             <a:pPr marL="0" indent="0">
@@ -4891,6 +4957,7 @@
               <a:rPr lang="zh-CN" altLang="en-US" sz="1800" dirty="0"/>
               <a:t>    int n, m;</a:t>
             </a:r>
+            <a:endParaRPr lang="zh-CN" altLang="en-US" sz="1800" dirty="0"/>
           </a:p>
           <a:p>
             <a:pPr marL="0" indent="0">
@@ -4900,6 +4967,7 @@
               <a:rPr lang="zh-CN" altLang="en-US" sz="1800" dirty="0"/>
               <a:t>    while(cin &gt;&gt; n &gt;&gt; m){</a:t>
             </a:r>
+            <a:endParaRPr lang="zh-CN" altLang="en-US" sz="1800" dirty="0"/>
           </a:p>
           <a:p>
             <a:pPr marL="0" indent="0">
@@ -4921,6 +4989,7 @@
               <a:rPr lang="zh-CN" altLang="en-US" sz="1800" dirty="0"/>
               <a:t>.clear();</a:t>
             </a:r>
+            <a:endParaRPr lang="zh-CN" altLang="en-US" sz="1800" dirty="0"/>
           </a:p>
           <a:p>
             <a:pPr marL="0" indent="0">
@@ -4942,6 +5011,7 @@
               <a:rPr lang="zh-CN" altLang="en-US" sz="1800" dirty="0"/>
               <a:t>.push_back(i);  //初始化</a:t>
             </a:r>
+            <a:endParaRPr lang="zh-CN" altLang="en-US" sz="1800" dirty="0"/>
           </a:p>
           <a:p>
             <a:pPr marL="0" indent="0">
@@ -4951,6 +5021,7 @@
               <a:rPr lang="zh-CN" altLang="en-US" sz="1800" dirty="0"/>
               <a:t>        int pos = 0;                               //记录当前位置</a:t>
             </a:r>
+            <a:endParaRPr lang="zh-CN" altLang="en-US" sz="1800" dirty="0"/>
           </a:p>
           <a:p>
             <a:pPr marL="0" indent="0">
@@ -4960,6 +5031,7 @@
               <a:rPr lang="zh-CN" altLang="en-US" sz="1800" dirty="0"/>
               <a:t>        for(int i=0; i&lt;n; i++){                  //赶走n个</a:t>
             </a:r>
+            <a:endParaRPr lang="zh-CN" altLang="en-US" sz="1800" dirty="0"/>
           </a:p>
           <a:p>
             <a:pPr marL="0" indent="0">
@@ -4981,6 +5053,7 @@
               <a:rPr lang="zh-CN" altLang="en-US" sz="1800" dirty="0"/>
               <a:t>.size();    //圆桌是个环，取余处理</a:t>
             </a:r>
+            <a:endParaRPr lang="zh-CN" altLang="en-US" sz="1800" dirty="0"/>
           </a:p>
           <a:p>
             <a:pPr marL="0" indent="0">
@@ -5014,6 +5087,7 @@
               <a:rPr lang="zh-CN" altLang="en-US" sz="1800" dirty="0"/>
               <a:t>.begin() + pos); //赶走坏人，table人数减1</a:t>
             </a:r>
+            <a:endParaRPr lang="zh-CN" altLang="en-US" sz="1800" dirty="0"/>
           </a:p>
           <a:p>
             <a:pPr marL="0" indent="0">
@@ -5023,6 +5097,7 @@
               <a:rPr lang="zh-CN" altLang="en-US" sz="1800" dirty="0"/>
               <a:t>        }</a:t>
             </a:r>
+            <a:endParaRPr lang="zh-CN" altLang="en-US" sz="1800" dirty="0"/>
           </a:p>
           <a:p>
             <a:pPr marL="0" indent="0">
@@ -5032,6 +5107,7 @@
               <a:rPr lang="zh-CN" altLang="en-US" sz="1800" dirty="0"/>
               <a:t>        int j = 0;  </a:t>
             </a:r>
+            <a:endParaRPr lang="zh-CN" altLang="en-US" sz="1800" dirty="0"/>
           </a:p>
           <a:p>
             <a:pPr marL="0" indent="0">
@@ -5041,6 +5117,7 @@
               <a:rPr lang="zh-CN" altLang="en-US" sz="1800" dirty="0"/>
               <a:t>        for(int i=0; i&lt;2*n; i++){               //打印预先安排座位</a:t>
             </a:r>
+            <a:endParaRPr lang="zh-CN" altLang="en-US" sz="1800" dirty="0"/>
           </a:p>
           <a:p>
             <a:pPr marL="0" indent="0">
@@ -5050,6 +5127,7 @@
               <a:rPr lang="zh-CN" altLang="en-US" sz="1800" dirty="0"/>
               <a:t>            if(!(i%50) &amp;&amp; i)  cout&lt;&lt;endl;       //50个字母一行</a:t>
             </a:r>
+            <a:endParaRPr lang="zh-CN" altLang="en-US" sz="1800" dirty="0"/>
           </a:p>
           <a:p>
             <a:pPr marL="0" indent="0">
@@ -5059,6 +5137,7 @@
               <a:rPr lang="zh-CN" altLang="en-US" sz="1800" dirty="0"/>
               <a:t>            if(j&lt;table.size() &amp;&amp; i==table[j]){ //table留下的都是好人</a:t>
             </a:r>
+            <a:endParaRPr lang="zh-CN" altLang="en-US" sz="1800" dirty="0"/>
           </a:p>
           <a:p>
             <a:pPr marL="0" indent="0">
@@ -5068,6 +5147,7 @@
               <a:rPr lang="zh-CN" altLang="en-US" sz="1800" dirty="0"/>
               <a:t>                j++; </a:t>
             </a:r>
+            <a:endParaRPr lang="zh-CN" altLang="en-US" sz="1800" dirty="0"/>
           </a:p>
           <a:p>
             <a:pPr marL="0" indent="0">
@@ -5077,6 +5157,7 @@
               <a:rPr lang="zh-CN" altLang="en-US" sz="1800" dirty="0"/>
               <a:t>                cout&lt;&lt;"G";</a:t>
             </a:r>
+            <a:endParaRPr lang="zh-CN" altLang="en-US" sz="1800" dirty="0"/>
           </a:p>
           <a:p>
             <a:pPr marL="0" indent="0">
@@ -5086,6 +5167,7 @@
               <a:rPr lang="zh-CN" altLang="en-US" sz="1800" dirty="0"/>
               <a:t>            }</a:t>
             </a:r>
+            <a:endParaRPr lang="zh-CN" altLang="en-US" sz="1800" dirty="0"/>
           </a:p>
           <a:p>
             <a:pPr marL="0" indent="0">
@@ -5095,6 +5177,7 @@
               <a:rPr lang="zh-CN" altLang="en-US" sz="1800" dirty="0"/>
               <a:t>            else   </a:t>
             </a:r>
+            <a:endParaRPr lang="zh-CN" altLang="en-US" sz="1800" dirty="0"/>
           </a:p>
           <a:p>
             <a:pPr marL="0" indent="0">
@@ -5104,6 +5187,7 @@
               <a:rPr lang="zh-CN" altLang="en-US" sz="1800" dirty="0"/>
               <a:t>               cout&lt;&lt;"B";</a:t>
             </a:r>
+            <a:endParaRPr lang="zh-CN" altLang="en-US" sz="1800" dirty="0"/>
           </a:p>
           <a:p>
             <a:pPr marL="0" indent="0">
@@ -5113,6 +5197,7 @@
               <a:rPr lang="zh-CN" altLang="en-US" sz="1800" dirty="0"/>
               <a:t>        }</a:t>
             </a:r>
+            <a:endParaRPr lang="zh-CN" altLang="en-US" sz="1800" dirty="0"/>
           </a:p>
           <a:p>
             <a:pPr marL="0" indent="0">
@@ -5122,6 +5207,7 @@
               <a:rPr lang="zh-CN" altLang="en-US" sz="1800" dirty="0"/>
               <a:t>        cout&lt;&lt;endl&lt;&lt;endl;                          //留一个空行</a:t>
             </a:r>
+            <a:endParaRPr lang="zh-CN" altLang="en-US" sz="1800" dirty="0"/>
           </a:p>
           <a:p>
             <a:pPr marL="0" indent="0">
@@ -5131,6 +5217,7 @@
               <a:rPr lang="zh-CN" altLang="en-US" sz="1800" dirty="0"/>
               <a:t>    }</a:t>
             </a:r>
+            <a:endParaRPr lang="zh-CN" altLang="en-US" sz="1800" dirty="0"/>
           </a:p>
           <a:p>
             <a:pPr marL="0" indent="0">
@@ -5140,6 +5227,7 @@
               <a:rPr lang="zh-CN" altLang="en-US" sz="1800" dirty="0"/>
               <a:t>    return 0;</a:t>
             </a:r>
+            <a:endParaRPr lang="zh-CN" altLang="en-US" sz="1800" dirty="0"/>
           </a:p>
           <a:p>
             <a:pPr marL="0" indent="0">
@@ -5149,18 +5237,13 @@
               <a:rPr lang="zh-CN" altLang="en-US" sz="1800" dirty="0"/>
               <a:t>}</a:t>
             </a:r>
+            <a:endParaRPr lang="zh-CN" altLang="en-US" sz="1800" dirty="0"/>
           </a:p>
         </p:txBody>
       </p:sp>
       <p:sp>
         <p:nvSpPr>
-          <p:cNvPr id="4" name="页脚占位符 3">
-            <a:extLst>
-              <a:ext uri="{FF2B5EF4-FFF2-40B4-BE49-F238E27FC236}">
-                <a16:creationId xmlns:a16="http://schemas.microsoft.com/office/drawing/2014/main" id="{9B1A6660-1263-4212-98A7-FB8A197D03C2}"/>
-              </a:ext>
-            </a:extLst>
-          </p:cNvPr>
+          <p:cNvPr id="4" name="页脚占位符 3"/>
           <p:cNvSpPr>
             <a:spLocks noGrp="1"/>
           </p:cNvSpPr>
@@ -5249,6 +5332,11 @@
               </a:rPr>
               <a:t>stack</a:t>
             </a:r>
+            <a:endParaRPr lang="en-US" altLang="zh-CN" sz="3600" dirty="0">
+              <a:solidFill>
+                <a:srgbClr val="FF0000"/>
+              </a:solidFill>
+            </a:endParaRPr>
           </a:p>
         </p:txBody>
       </p:sp>
@@ -5304,6 +5392,7 @@
               <a:rPr lang="zh-CN" altLang="zh-CN" dirty="0"/>
               <a:t>一盒泡腾片，最先放进盒子的药片位于最底层，最后被拿出来。</a:t>
             </a:r>
+            <a:endParaRPr lang="zh-CN" altLang="zh-CN" dirty="0"/>
           </a:p>
           <a:p>
             <a:endParaRPr lang="zh-CN" altLang="en-US" dirty="0"/>
@@ -5312,20 +5401,14 @@
       </p:sp>
       <p:pic>
         <p:nvPicPr>
-          <p:cNvPr id="17412" name="Picture 4" descr="https://timgsa.baidu.com/timg?image&amp;quality=80&amp;size=b9999_10000&amp;sec=1555646887327&amp;di=2a92208405fa4f397f7cec7a9764f222&amp;imgtype=0&amp;src=http%3A%2F%2Fimgs.soufun.com%2Fnews%2F2015_07%2F30%2F64%2F1%2Fshop%2F004282825700.jpg">
-            <a:extLst>
-              <a:ext uri="{FF2B5EF4-FFF2-40B4-BE49-F238E27FC236}">
-                <a16:creationId xmlns:a16="http://schemas.microsoft.com/office/drawing/2014/main" id="{D404E94C-D02C-476F-A68D-E41CED68E667}"/>
-              </a:ext>
-            </a:extLst>
-          </p:cNvPr>
+          <p:cNvPr id="17412" name="Picture 4" descr="https://timgsa.baidu.com/timg?image&amp;quality=80&amp;size=b9999_10000&amp;sec=1555646887327&amp;di=2a92208405fa4f397f7cec7a9764f222&amp;imgtype=0&amp;src=http%3A%2F%2Fimgs.soufun.com%2Fnews%2F2015_07%2F30%2F64%2F1%2Fshop%2F004282825700.jpg"/>
           <p:cNvPicPr>
             <a:picLocks noChangeAspect="1" noChangeArrowheads="1"/>
           </p:cNvPicPr>
           <p:nvPr/>
         </p:nvPicPr>
         <p:blipFill>
-          <a:blip r:embed="rId2">
+          <a:blip r:embed="rId1">
             <a:extLst>
               <a:ext uri="{28A0092B-C50C-407E-A947-70E740481C1C}">
                 <a14:useLocalDpi xmlns:a14="http://schemas.microsoft.com/office/drawing/2010/main" val="0"/>
@@ -5359,13 +5442,7 @@
       </p:pic>
       <p:sp>
         <p:nvSpPr>
-          <p:cNvPr id="5" name="页脚占位符 4">
-            <a:extLst>
-              <a:ext uri="{FF2B5EF4-FFF2-40B4-BE49-F238E27FC236}">
-                <a16:creationId xmlns:a16="http://schemas.microsoft.com/office/drawing/2014/main" id="{FAA633E7-C5B0-4E70-A18D-31A2A8A3296C}"/>
-              </a:ext>
-            </a:extLst>
-          </p:cNvPr>
+          <p:cNvPr id="5" name="页脚占位符 4"/>
           <p:cNvSpPr>
             <a:spLocks noGrp="1"/>
           </p:cNvSpPr>
@@ -5443,23 +5520,11 @@
       </p:sp>
       <p:graphicFrame>
         <p:nvGraphicFramePr>
-          <p:cNvPr id="6" name="表格 5">
-            <a:extLst>
-              <a:ext uri="{FF2B5EF4-FFF2-40B4-BE49-F238E27FC236}">
-                <a16:creationId xmlns:a16="http://schemas.microsoft.com/office/drawing/2014/main" id="{0C01CF4E-3B80-42D8-9C17-7E86D456A463}"/>
-              </a:ext>
-            </a:extLst>
-          </p:cNvPr>
+          <p:cNvPr id="6" name="表格 5"/>
           <p:cNvGraphicFramePr>
             <a:graphicFrameLocks noGrp="1"/>
           </p:cNvGraphicFramePr>
-          <p:nvPr>
-            <p:extLst>
-              <p:ext uri="{D42A27DB-BD31-4B8C-83A1-F6EECF244321}">
-                <p14:modId xmlns:p14="http://schemas.microsoft.com/office/powerpoint/2010/main" val="677572233"/>
-              </p:ext>
-            </p:extLst>
-          </p:nvPr>
+          <p:nvPr/>
         </p:nvGraphicFramePr>
         <p:xfrm>
           <a:off x="251520" y="1826170"/>
@@ -5472,20 +5537,8 @@
                 <a:tableStyleId>{5C22544A-7EE6-4342-B048-85BDC9FD1C3A}</a:tableStyleId>
               </a:tblPr>
               <a:tblGrid>
-                <a:gridCol w="3311292">
-                  <a:extLst>
-                    <a:ext uri="{9D8B030D-6E8A-4147-A177-3AD203B41FA5}">
-                      <a16:colId xmlns:a16="http://schemas.microsoft.com/office/drawing/2014/main" val="1731973244"/>
-                    </a:ext>
-                  </a:extLst>
-                </a:gridCol>
-                <a:gridCol w="5401676">
-                  <a:extLst>
-                    <a:ext uri="{9D8B030D-6E8A-4147-A177-3AD203B41FA5}">
-                      <a16:colId xmlns:a16="http://schemas.microsoft.com/office/drawing/2014/main" val="141598326"/>
-                    </a:ext>
-                  </a:extLst>
-                </a:gridCol>
+                <a:gridCol w="3311292"/>
+                <a:gridCol w="5401676"/>
               </a:tblGrid>
               <a:tr h="428537">
                 <a:tc>
@@ -5560,11 +5613,6 @@
                     </a:solidFill>
                   </a:tcPr>
                 </a:tc>
-                <a:extLst>
-                  <a:ext uri="{0D108BD9-81ED-4DB2-BD59-A6C34878D82A}">
-                    <a16:rowId xmlns:a16="http://schemas.microsoft.com/office/drawing/2014/main" val="4286657196"/>
-                  </a:ext>
-                </a:extLst>
               </a:tr>
               <a:tr h="846197">
                 <a:tc>
@@ -5720,11 +5768,6 @@
                     </a:solidFill>
                   </a:tcPr>
                 </a:tc>
-                <a:extLst>
-                  <a:ext uri="{0D108BD9-81ED-4DB2-BD59-A6C34878D82A}">
-                    <a16:rowId xmlns:a16="http://schemas.microsoft.com/office/drawing/2014/main" val="3539269723"/>
-                  </a:ext>
-                </a:extLst>
               </a:tr>
               <a:tr h="428537">
                 <a:tc>
@@ -5835,11 +5878,6 @@
                     </a:solidFill>
                   </a:tcPr>
                 </a:tc>
-                <a:extLst>
-                  <a:ext uri="{0D108BD9-81ED-4DB2-BD59-A6C34878D82A}">
-                    <a16:rowId xmlns:a16="http://schemas.microsoft.com/office/drawing/2014/main" val="2000543867"/>
-                  </a:ext>
-                </a:extLst>
               </a:tr>
               <a:tr h="428537">
                 <a:tc>
@@ -5914,11 +5952,6 @@
                     </a:solidFill>
                   </a:tcPr>
                 </a:tc>
-                <a:extLst>
-                  <a:ext uri="{0D108BD9-81ED-4DB2-BD59-A6C34878D82A}">
-                    <a16:rowId xmlns:a16="http://schemas.microsoft.com/office/drawing/2014/main" val="690942299"/>
-                  </a:ext>
-                </a:extLst>
               </a:tr>
               <a:tr h="428537">
                 <a:tc>
@@ -5993,11 +6026,6 @@
                     </a:solidFill>
                   </a:tcPr>
                 </a:tc>
-                <a:extLst>
-                  <a:ext uri="{0D108BD9-81ED-4DB2-BD59-A6C34878D82A}">
-                    <a16:rowId xmlns:a16="http://schemas.microsoft.com/office/drawing/2014/main" val="3991082591"/>
-                  </a:ext>
-                </a:extLst>
               </a:tr>
               <a:tr h="428537">
                 <a:tc>
@@ -6081,11 +6109,6 @@
                     </a:solidFill>
                   </a:tcPr>
                 </a:tc>
-                <a:extLst>
-                  <a:ext uri="{0D108BD9-81ED-4DB2-BD59-A6C34878D82A}">
-                    <a16:rowId xmlns:a16="http://schemas.microsoft.com/office/drawing/2014/main" val="3142450775"/>
-                  </a:ext>
-                </a:extLst>
               </a:tr>
               <a:tr h="846197">
                 <a:tc>
@@ -6196,11 +6219,6 @@
                     </a:solidFill>
                   </a:tcPr>
                 </a:tc>
-                <a:extLst>
-                  <a:ext uri="{0D108BD9-81ED-4DB2-BD59-A6C34878D82A}">
-                    <a16:rowId xmlns:a16="http://schemas.microsoft.com/office/drawing/2014/main" val="658336602"/>
-                  </a:ext>
-                </a:extLst>
               </a:tr>
             </a:tbl>
           </a:graphicData>
@@ -6208,13 +6226,7 @@
       </p:graphicFrame>
       <p:sp>
         <p:nvSpPr>
-          <p:cNvPr id="8" name="页脚占位符 7">
-            <a:extLst>
-              <a:ext uri="{FF2B5EF4-FFF2-40B4-BE49-F238E27FC236}">
-                <a16:creationId xmlns:a16="http://schemas.microsoft.com/office/drawing/2014/main" id="{99463DEF-CB8E-4A99-BCD5-7C070A9F207B}"/>
-              </a:ext>
-            </a:extLst>
-          </p:cNvPr>
+          <p:cNvPr id="8" name="页脚占位符 7"/>
           <p:cNvSpPr>
             <a:spLocks noGrp="1"/>
           </p:cNvSpPr>
@@ -6265,13 +6277,7 @@
       </p:grpSpPr>
       <p:sp>
         <p:nvSpPr>
-          <p:cNvPr id="3" name="内容占位符 2">
-            <a:extLst>
-              <a:ext uri="{FF2B5EF4-FFF2-40B4-BE49-F238E27FC236}">
-                <a16:creationId xmlns:a16="http://schemas.microsoft.com/office/drawing/2014/main" id="{36714F33-05C6-4BC5-A56D-F10ED6D94A36}"/>
-              </a:ext>
-            </a:extLst>
-          </p:cNvPr>
+          <p:cNvPr id="3" name="内容占位符 2"/>
           <p:cNvSpPr>
             <a:spLocks noGrp="1"/>
           </p:cNvSpPr>
@@ -6359,13 +6365,7 @@
       </p:sp>
       <p:sp>
         <p:nvSpPr>
-          <p:cNvPr id="4" name="页脚占位符 3">
-            <a:extLst>
-              <a:ext uri="{FF2B5EF4-FFF2-40B4-BE49-F238E27FC236}">
-                <a16:creationId xmlns:a16="http://schemas.microsoft.com/office/drawing/2014/main" id="{D19298DA-8646-4298-B68E-7E1FB4726FB1}"/>
-              </a:ext>
-            </a:extLst>
-          </p:cNvPr>
+          <p:cNvPr id="4" name="页脚占位符 3"/>
           <p:cNvSpPr>
             <a:spLocks noGrp="1"/>
           </p:cNvSpPr>
@@ -6390,11 +6390,6 @@
         </p:txBody>
       </p:sp>
     </p:spTree>
-    <p:extLst>
-      <p:ext uri="{BB962C8B-B14F-4D97-AF65-F5344CB8AC3E}">
-        <p14:creationId xmlns:p14="http://schemas.microsoft.com/office/powerpoint/2010/main" val="2913856248"/>
-      </p:ext>
-    </p:extLst>
   </p:cSld>
   <p:clrMapOvr>
     <a:masterClrMapping/>
@@ -6421,13 +6416,7 @@
       </p:grpSpPr>
       <p:sp>
         <p:nvSpPr>
-          <p:cNvPr id="3" name="内容占位符 2">
-            <a:extLst>
-              <a:ext uri="{FF2B5EF4-FFF2-40B4-BE49-F238E27FC236}">
-                <a16:creationId xmlns:a16="http://schemas.microsoft.com/office/drawing/2014/main" id="{B1C52D4A-D666-4AAF-BC79-27875BFFD3BC}"/>
-              </a:ext>
-            </a:extLst>
-          </p:cNvPr>
+          <p:cNvPr id="3" name="内容占位符 2"/>
           <p:cNvSpPr>
             <a:spLocks noGrp="1"/>
           </p:cNvSpPr>
@@ -6604,6 +6593,7 @@
               <a:rPr lang="zh-CN" altLang="zh-CN" sz="1800" dirty="0"/>
               <a:t>一次读入一个字符</a:t>
             </a:r>
+            <a:endParaRPr lang="zh-CN" altLang="zh-CN" sz="1800" dirty="0"/>
           </a:p>
           <a:p>
             <a:pPr marL="0" indent="0">
@@ -6701,6 +6691,7 @@
               <a:rPr lang="zh-CN" altLang="zh-CN" sz="1800" dirty="0"/>
               <a:t>输出栈顶</a:t>
             </a:r>
+            <a:endParaRPr lang="zh-CN" altLang="zh-CN" sz="1800" dirty="0"/>
           </a:p>
           <a:p>
             <a:pPr marL="0" indent="0">
@@ -6730,6 +6721,7 @@
               <a:rPr lang="zh-CN" altLang="zh-CN" sz="1800" dirty="0"/>
               <a:t>清除栈顶</a:t>
             </a:r>
+            <a:endParaRPr lang="zh-CN" altLang="zh-CN" sz="1800" dirty="0"/>
           </a:p>
           <a:p>
             <a:pPr marL="0" indent="0">
@@ -6831,6 +6823,7 @@
               <a:rPr lang="zh-CN" altLang="zh-CN" sz="1800" dirty="0"/>
               <a:t>入栈</a:t>
             </a:r>
+            <a:endParaRPr lang="zh-CN" altLang="zh-CN" sz="1800" dirty="0"/>
           </a:p>
           <a:p>
             <a:pPr marL="0" indent="0">
@@ -6900,13 +6893,7 @@
       </p:sp>
       <p:sp>
         <p:nvSpPr>
-          <p:cNvPr id="4" name="页脚占位符 3">
-            <a:extLst>
-              <a:ext uri="{FF2B5EF4-FFF2-40B4-BE49-F238E27FC236}">
-                <a16:creationId xmlns:a16="http://schemas.microsoft.com/office/drawing/2014/main" id="{3C187049-854D-4371-89EF-515C0D5DD4D3}"/>
-              </a:ext>
-            </a:extLst>
-          </p:cNvPr>
+          <p:cNvPr id="4" name="页脚占位符 3"/>
           <p:cNvSpPr>
             <a:spLocks noGrp="1"/>
           </p:cNvSpPr>
@@ -6931,11 +6918,6 @@
         </p:txBody>
       </p:sp>
     </p:spTree>
-    <p:extLst>
-      <p:ext uri="{BB962C8B-B14F-4D97-AF65-F5344CB8AC3E}">
-        <p14:creationId xmlns:p14="http://schemas.microsoft.com/office/powerpoint/2010/main" val="4084413813"/>
-      </p:ext>
-    </p:extLst>
   </p:cSld>
   <p:clrMapOvr>
     <a:masterClrMapping/>
@@ -6962,13 +6944,7 @@
       </p:grpSpPr>
       <p:sp>
         <p:nvSpPr>
-          <p:cNvPr id="2" name="标题 1">
-            <a:extLst>
-              <a:ext uri="{FF2B5EF4-FFF2-40B4-BE49-F238E27FC236}">
-                <a16:creationId xmlns:a16="http://schemas.microsoft.com/office/drawing/2014/main" id="{7E133FBC-31E7-4CD1-87EE-535DE0B71D25}"/>
-              </a:ext>
-            </a:extLst>
-          </p:cNvPr>
+          <p:cNvPr id="2" name="标题 1"/>
           <p:cNvSpPr>
             <a:spLocks noGrp="1"/>
           </p:cNvSpPr>
@@ -6999,13 +6975,7 @@
       </p:sp>
       <p:sp>
         <p:nvSpPr>
-          <p:cNvPr id="3" name="内容占位符 2">
-            <a:extLst>
-              <a:ext uri="{FF2B5EF4-FFF2-40B4-BE49-F238E27FC236}">
-                <a16:creationId xmlns:a16="http://schemas.microsoft.com/office/drawing/2014/main" id="{566EFB26-EB8C-4EF2-9149-93E176BF53C9}"/>
-              </a:ext>
-            </a:extLst>
-          </p:cNvPr>
+          <p:cNvPr id="3" name="内容占位符 2"/>
           <p:cNvSpPr>
             <a:spLocks noGrp="1"/>
           </p:cNvSpPr>
@@ -7033,6 +7003,7 @@
               <a:rPr lang="zh-CN" altLang="zh-CN" dirty="0"/>
               <a:t>解决办法有两种：</a:t>
             </a:r>
+            <a:endParaRPr lang="zh-CN" altLang="zh-CN" dirty="0"/>
           </a:p>
           <a:p>
             <a:pPr marL="400050" lvl="1" indent="0">
@@ -7058,6 +7029,7 @@
               <a:rPr lang="zh-CN" altLang="zh-CN" dirty="0"/>
               <a:t>依赖于系统和编译器。</a:t>
             </a:r>
+            <a:endParaRPr lang="zh-CN" altLang="zh-CN" dirty="0"/>
           </a:p>
           <a:p>
             <a:pPr marL="400050" lvl="1" indent="0">
@@ -7093,13 +7065,7 @@
       </p:sp>
       <p:sp>
         <p:nvSpPr>
-          <p:cNvPr id="4" name="页脚占位符 3">
-            <a:extLst>
-              <a:ext uri="{FF2B5EF4-FFF2-40B4-BE49-F238E27FC236}">
-                <a16:creationId xmlns:a16="http://schemas.microsoft.com/office/drawing/2014/main" id="{1F757586-1B81-4F5A-AB49-5E39622A7A20}"/>
-              </a:ext>
-            </a:extLst>
-          </p:cNvPr>
+          <p:cNvPr id="4" name="页脚占位符 3"/>
           <p:cNvSpPr>
             <a:spLocks noGrp="1"/>
           </p:cNvSpPr>
@@ -7124,11 +7090,6 @@
         </p:txBody>
       </p:sp>
     </p:spTree>
-    <p:extLst>
-      <p:ext uri="{BB962C8B-B14F-4D97-AF65-F5344CB8AC3E}">
-        <p14:creationId xmlns:p14="http://schemas.microsoft.com/office/powerpoint/2010/main" val="2001748102"/>
-      </p:ext>
-    </p:extLst>
   </p:cSld>
   <p:clrMapOvr>
     <a:masterClrMapping/>
@@ -7155,13 +7116,7 @@
       </p:grpSpPr>
       <p:sp>
         <p:nvSpPr>
-          <p:cNvPr id="3" name="内容占位符 2">
-            <a:extLst>
-              <a:ext uri="{FF2B5EF4-FFF2-40B4-BE49-F238E27FC236}">
-                <a16:creationId xmlns:a16="http://schemas.microsoft.com/office/drawing/2014/main" id="{38518B25-CE23-47B8-8B39-FF17FD060CA5}"/>
-              </a:ext>
-            </a:extLst>
-          </p:cNvPr>
+          <p:cNvPr id="3" name="内容占位符 2"/>
           <p:cNvSpPr>
             <a:spLocks noGrp="1"/>
           </p:cNvSpPr>
@@ -7191,6 +7146,7 @@
               <a:rPr lang="zh-CN" altLang="zh-CN" dirty="0"/>
               <a:t>：</a:t>
             </a:r>
+            <a:endParaRPr lang="zh-CN" altLang="zh-CN" dirty="0"/>
           </a:p>
           <a:p>
             <a:pPr lvl="1"/>
@@ -7206,6 +7162,7 @@
               <a:rPr lang="zh-CN" altLang="zh-CN" dirty="0"/>
               <a:t>“简单计算器”，逆波兰表达式。</a:t>
             </a:r>
+            <a:endParaRPr lang="zh-CN" altLang="zh-CN" dirty="0"/>
           </a:p>
           <a:p>
             <a:endParaRPr lang="zh-CN" altLang="en-US" dirty="0"/>
@@ -7214,13 +7171,7 @@
       </p:sp>
       <p:sp>
         <p:nvSpPr>
-          <p:cNvPr id="4" name="页脚占位符 3">
-            <a:extLst>
-              <a:ext uri="{FF2B5EF4-FFF2-40B4-BE49-F238E27FC236}">
-                <a16:creationId xmlns:a16="http://schemas.microsoft.com/office/drawing/2014/main" id="{6F11E8DB-463A-4BDA-9D44-E4905FF0277A}"/>
-              </a:ext>
-            </a:extLst>
-          </p:cNvPr>
+          <p:cNvPr id="4" name="页脚占位符 3"/>
           <p:cNvSpPr>
             <a:spLocks noGrp="1"/>
           </p:cNvSpPr>
@@ -7245,11 +7196,6 @@
         </p:txBody>
       </p:sp>
     </p:spTree>
-    <p:extLst>
-      <p:ext uri="{BB962C8B-B14F-4D97-AF65-F5344CB8AC3E}">
-        <p14:creationId xmlns:p14="http://schemas.microsoft.com/office/powerpoint/2010/main" val="883664529"/>
-      </p:ext>
-    </p:extLst>
   </p:cSld>
   <p:clrMapOvr>
     <a:masterClrMapping/>
@@ -7276,13 +7222,7 @@
       </p:grpSpPr>
       <p:sp>
         <p:nvSpPr>
-          <p:cNvPr id="2" name="标题 1">
-            <a:extLst>
-              <a:ext uri="{FF2B5EF4-FFF2-40B4-BE49-F238E27FC236}">
-                <a16:creationId xmlns:a16="http://schemas.microsoft.com/office/drawing/2014/main" id="{C019EE7F-90FE-41D6-9A42-C4A0CE64F3C8}"/>
-              </a:ext>
-            </a:extLst>
-          </p:cNvPr>
+          <p:cNvPr id="2" name="标题 1"/>
           <p:cNvSpPr>
             <a:spLocks noGrp="1"/>
           </p:cNvSpPr>
@@ -7325,13 +7265,7 @@
       </p:sp>
       <p:sp>
         <p:nvSpPr>
-          <p:cNvPr id="3" name="内容占位符 2">
-            <a:extLst>
-              <a:ext uri="{FF2B5EF4-FFF2-40B4-BE49-F238E27FC236}">
-                <a16:creationId xmlns:a16="http://schemas.microsoft.com/office/drawing/2014/main" id="{78910910-80A1-4D76-BC14-40594ABE1BB7}"/>
-              </a:ext>
-            </a:extLst>
-          </p:cNvPr>
+          <p:cNvPr id="3" name="内容占位符 2"/>
           <p:cNvSpPr>
             <a:spLocks noGrp="1"/>
           </p:cNvSpPr>
@@ -7363,6 +7297,7 @@
               <a:rPr lang="zh-CN" altLang="zh-CN" dirty="0"/>
               <a:t>例如排队，先进队列的，先得到服务。</a:t>
             </a:r>
+            <a:endParaRPr lang="zh-CN" altLang="zh-CN" dirty="0"/>
           </a:p>
           <a:p>
             <a:endParaRPr lang="zh-CN" altLang="en-US" dirty="0"/>
@@ -7371,20 +7306,14 @@
       </p:sp>
       <p:pic>
         <p:nvPicPr>
-          <p:cNvPr id="20482" name="Picture 2" descr="https://timgsa.baidu.com/timg?image&amp;quality=80&amp;size=b9999_10000&amp;sec=1555648535270&amp;di=4032564b6bd991cdf07b7ed2d1d09bda&amp;imgtype=0&amp;src=http%3A%2F%2Fmmbiz.qpic.cn%2Fmmbiz%2FzKBwDdu8U8HBLuojhGa7b6I9MS80EVIYroKo5fNMH6yeMWhYTgGhlwjicPiaNNgPxr7G2nP7KK39TE88zq0SjUPQ%2F0%3Fwx_fmt%3Dgif">
-            <a:extLst>
-              <a:ext uri="{FF2B5EF4-FFF2-40B4-BE49-F238E27FC236}">
-                <a16:creationId xmlns:a16="http://schemas.microsoft.com/office/drawing/2014/main" id="{5C65FBAA-D92E-4745-80D7-05B80792F15A}"/>
-              </a:ext>
-            </a:extLst>
-          </p:cNvPr>
+          <p:cNvPr id="20482" name="Picture 2" descr="https://timgsa.baidu.com/timg?image&amp;quality=80&amp;size=b9999_10000&amp;sec=1555648535270&amp;di=4032564b6bd991cdf07b7ed2d1d09bda&amp;imgtype=0&amp;src=http%3A%2F%2Fmmbiz.qpic.cn%2Fmmbiz%2FzKBwDdu8U8HBLuojhGa7b6I9MS80EVIYroKo5fNMH6yeMWhYTgGhlwjicPiaNNgPxr7G2nP7KK39TE88zq0SjUPQ%2F0%3Fwx_fmt%3Dgif"/>
           <p:cNvPicPr>
             <a:picLocks noChangeAspect="1" noChangeArrowheads="1" noCrop="1"/>
           </p:cNvPicPr>
           <p:nvPr/>
         </p:nvPicPr>
         <p:blipFill>
-          <a:blip r:embed="rId2">
+          <a:blip r:embed="rId1">
             <a:extLst>
               <a:ext uri="{28A0092B-C50C-407E-A947-70E740481C1C}">
                 <a14:useLocalDpi xmlns:a14="http://schemas.microsoft.com/office/drawing/2010/main" val="0"/>
@@ -7418,13 +7347,7 @@
       </p:pic>
       <p:sp>
         <p:nvSpPr>
-          <p:cNvPr id="6" name="页脚占位符 5">
-            <a:extLst>
-              <a:ext uri="{FF2B5EF4-FFF2-40B4-BE49-F238E27FC236}">
-                <a16:creationId xmlns:a16="http://schemas.microsoft.com/office/drawing/2014/main" id="{72B71E96-9DF7-4199-A3F7-8BD8EC965E79}"/>
-              </a:ext>
-            </a:extLst>
-          </p:cNvPr>
+          <p:cNvPr id="6" name="页脚占位符 5"/>
           <p:cNvSpPr>
             <a:spLocks noGrp="1"/>
           </p:cNvSpPr>
@@ -7449,11 +7372,6 @@
         </p:txBody>
       </p:sp>
     </p:spTree>
-    <p:extLst>
-      <p:ext uri="{BB962C8B-B14F-4D97-AF65-F5344CB8AC3E}">
-        <p14:creationId xmlns:p14="http://schemas.microsoft.com/office/powerpoint/2010/main" val="2833264109"/>
-      </p:ext>
-    </p:extLst>
   </p:cSld>
   <p:clrMapOvr>
     <a:masterClrMapping/>
@@ -7480,13 +7398,7 @@
       </p:grpSpPr>
       <p:sp>
         <p:nvSpPr>
-          <p:cNvPr id="2" name="标题 1">
-            <a:extLst>
-              <a:ext uri="{FF2B5EF4-FFF2-40B4-BE49-F238E27FC236}">
-                <a16:creationId xmlns:a16="http://schemas.microsoft.com/office/drawing/2014/main" id="{B0996CDF-7968-44D0-8127-9F1D895299CD}"/>
-              </a:ext>
-            </a:extLst>
-          </p:cNvPr>
+          <p:cNvPr id="2" name="标题 1"/>
           <p:cNvSpPr>
             <a:spLocks noGrp="1"/>
           </p:cNvSpPr>
@@ -7517,23 +7429,11 @@
       </p:sp>
       <p:graphicFrame>
         <p:nvGraphicFramePr>
-          <p:cNvPr id="4" name="表格 3">
-            <a:extLst>
-              <a:ext uri="{FF2B5EF4-FFF2-40B4-BE49-F238E27FC236}">
-                <a16:creationId xmlns:a16="http://schemas.microsoft.com/office/drawing/2014/main" id="{4BA51262-3637-4178-81DB-D88EECCD0897}"/>
-              </a:ext>
-            </a:extLst>
-          </p:cNvPr>
+          <p:cNvPr id="4" name="表格 3"/>
           <p:cNvGraphicFramePr>
             <a:graphicFrameLocks noGrp="1"/>
           </p:cNvGraphicFramePr>
-          <p:nvPr>
-            <p:extLst>
-              <p:ext uri="{D42A27DB-BD31-4B8C-83A1-F6EECF244321}">
-                <p14:modId xmlns:p14="http://schemas.microsoft.com/office/powerpoint/2010/main" val="2469475527"/>
-              </p:ext>
-            </p:extLst>
-          </p:nvPr>
+          <p:nvPr/>
         </p:nvGraphicFramePr>
         <p:xfrm>
           <a:off x="440060" y="1676131"/>
@@ -7546,20 +7446,8 @@
                 <a:tableStyleId>{5C22544A-7EE6-4342-B048-85BDC9FD1C3A}</a:tableStyleId>
               </a:tblPr>
               <a:tblGrid>
-                <a:gridCol w="2619772">
-                  <a:extLst>
-                    <a:ext uri="{9D8B030D-6E8A-4147-A177-3AD203B41FA5}">
-                      <a16:colId xmlns:a16="http://schemas.microsoft.com/office/drawing/2014/main" val="2640535750"/>
-                    </a:ext>
-                  </a:extLst>
-                </a:gridCol>
-                <a:gridCol w="5383460">
-                  <a:extLst>
-                    <a:ext uri="{9D8B030D-6E8A-4147-A177-3AD203B41FA5}">
-                      <a16:colId xmlns:a16="http://schemas.microsoft.com/office/drawing/2014/main" val="2439632524"/>
-                    </a:ext>
-                  </a:extLst>
-                </a:gridCol>
+                <a:gridCol w="2619772"/>
+                <a:gridCol w="5383460"/>
               </a:tblGrid>
               <a:tr h="435507">
                 <a:tc>
@@ -7634,11 +7522,6 @@
                     </a:solidFill>
                   </a:tcPr>
                 </a:tc>
-                <a:extLst>
-                  <a:ext uri="{0D108BD9-81ED-4DB2-BD59-A6C34878D82A}">
-                    <a16:rowId xmlns:a16="http://schemas.microsoft.com/office/drawing/2014/main" val="3438469915"/>
-                  </a:ext>
-                </a:extLst>
               </a:tr>
               <a:tr h="859960">
                 <a:tc>
@@ -7785,11 +7668,6 @@
                     </a:solidFill>
                   </a:tcPr>
                 </a:tc>
-                <a:extLst>
-                  <a:ext uri="{0D108BD9-81ED-4DB2-BD59-A6C34878D82A}">
-                    <a16:rowId xmlns:a16="http://schemas.microsoft.com/office/drawing/2014/main" val="3196166831"/>
-                  </a:ext>
-                </a:extLst>
               </a:tr>
               <a:tr h="529410">
                 <a:tc>
@@ -7882,11 +7760,6 @@
                     </a:solidFill>
                   </a:tcPr>
                 </a:tc>
-                <a:extLst>
-                  <a:ext uri="{0D108BD9-81ED-4DB2-BD59-A6C34878D82A}">
-                    <a16:rowId xmlns:a16="http://schemas.microsoft.com/office/drawing/2014/main" val="2492083400"/>
-                  </a:ext>
-                </a:extLst>
               </a:tr>
               <a:tr h="432048">
                 <a:tc>
@@ -7961,11 +7834,6 @@
                     </a:solidFill>
                   </a:tcPr>
                 </a:tc>
-                <a:extLst>
-                  <a:ext uri="{0D108BD9-81ED-4DB2-BD59-A6C34878D82A}">
-                    <a16:rowId xmlns:a16="http://schemas.microsoft.com/office/drawing/2014/main" val="462330611"/>
-                  </a:ext>
-                </a:extLst>
               </a:tr>
               <a:tr h="435507">
                 <a:tc>
@@ -8040,11 +7908,6 @@
                     </a:solidFill>
                   </a:tcPr>
                 </a:tc>
-                <a:extLst>
-                  <a:ext uri="{0D108BD9-81ED-4DB2-BD59-A6C34878D82A}">
-                    <a16:rowId xmlns:a16="http://schemas.microsoft.com/office/drawing/2014/main" val="1425329351"/>
-                  </a:ext>
-                </a:extLst>
               </a:tr>
               <a:tr h="435507">
                 <a:tc>
@@ -8119,11 +7982,6 @@
                     </a:solidFill>
                   </a:tcPr>
                 </a:tc>
-                <a:extLst>
-                  <a:ext uri="{0D108BD9-81ED-4DB2-BD59-A6C34878D82A}">
-                    <a16:rowId xmlns:a16="http://schemas.microsoft.com/office/drawing/2014/main" val="3838761413"/>
-                  </a:ext>
-                </a:extLst>
               </a:tr>
               <a:tr h="435507">
                 <a:tc>
@@ -8198,11 +8056,6 @@
                     </a:solidFill>
                   </a:tcPr>
                 </a:tc>
-                <a:extLst>
-                  <a:ext uri="{0D108BD9-81ED-4DB2-BD59-A6C34878D82A}">
-                    <a16:rowId xmlns:a16="http://schemas.microsoft.com/office/drawing/2014/main" val="946680779"/>
-                  </a:ext>
-                </a:extLst>
               </a:tr>
               <a:tr h="435507">
                 <a:tc>
@@ -8277,11 +8130,6 @@
                     </a:solidFill>
                   </a:tcPr>
                 </a:tc>
-                <a:extLst>
-                  <a:ext uri="{0D108BD9-81ED-4DB2-BD59-A6C34878D82A}">
-                    <a16:rowId xmlns:a16="http://schemas.microsoft.com/office/drawing/2014/main" val="679150479"/>
-                  </a:ext>
-                </a:extLst>
               </a:tr>
             </a:tbl>
           </a:graphicData>
@@ -8289,13 +8137,7 @@
       </p:graphicFrame>
       <p:sp>
         <p:nvSpPr>
-          <p:cNvPr id="5" name="页脚占位符 4">
-            <a:extLst>
-              <a:ext uri="{FF2B5EF4-FFF2-40B4-BE49-F238E27FC236}">
-                <a16:creationId xmlns:a16="http://schemas.microsoft.com/office/drawing/2014/main" id="{250D96F1-E33D-4DDC-B712-A56B9A2612E0}"/>
-              </a:ext>
-            </a:extLst>
-          </p:cNvPr>
+          <p:cNvPr id="5" name="页脚占位符 4"/>
           <p:cNvSpPr>
             <a:spLocks noGrp="1"/>
           </p:cNvSpPr>
@@ -8320,11 +8162,6 @@
         </p:txBody>
       </p:sp>
     </p:spTree>
-    <p:extLst>
-      <p:ext uri="{BB962C8B-B14F-4D97-AF65-F5344CB8AC3E}">
-        <p14:creationId xmlns:p14="http://schemas.microsoft.com/office/powerpoint/2010/main" val="183451222"/>
-      </p:ext>
-    </p:extLst>
   </p:cSld>
   <p:clrMapOvr>
     <a:masterClrMapping/>
@@ -8410,6 +8247,11 @@
               </a:rPr>
               <a:t>和基本数据结构</a:t>
             </a:r>
+            <a:endParaRPr lang="zh-CN" altLang="en-US" dirty="0">
+              <a:solidFill>
+                <a:srgbClr val="FF0000"/>
+              </a:solidFill>
+            </a:endParaRPr>
           </a:p>
         </p:txBody>
       </p:sp>
@@ -8458,6 +8300,7 @@
               <a:rPr lang="en-US" altLang="zh-CN" sz="2400" dirty="0"/>
               <a:t>vector</a:t>
             </a:r>
+            <a:endParaRPr lang="en-US" altLang="zh-CN" sz="2400" dirty="0"/>
           </a:p>
           <a:p>
             <a:pPr lvl="1" eaLnBrk="1" hangingPunct="1">
@@ -8505,6 +8348,7 @@
               <a:rPr lang="en-US" altLang="zh-CN" sz="2400" dirty="0"/>
               <a:t>set</a:t>
             </a:r>
+            <a:endParaRPr lang="en-US" altLang="zh-CN" sz="2400" dirty="0"/>
           </a:p>
           <a:p>
             <a:pPr lvl="1" eaLnBrk="1" hangingPunct="1">
@@ -8516,6 +8360,7 @@
               <a:rPr lang="en-US" altLang="zh-CN" sz="2400" dirty="0"/>
               <a:t>map</a:t>
             </a:r>
+            <a:endParaRPr lang="en-US" altLang="zh-CN" sz="2400" dirty="0"/>
           </a:p>
           <a:p>
             <a:pPr eaLnBrk="1" hangingPunct="1">
@@ -8767,13 +8612,7 @@
       </p:grpSpPr>
       <p:sp>
         <p:nvSpPr>
-          <p:cNvPr id="3" name="内容占位符 2">
-            <a:extLst>
-              <a:ext uri="{FF2B5EF4-FFF2-40B4-BE49-F238E27FC236}">
-                <a16:creationId xmlns:a16="http://schemas.microsoft.com/office/drawing/2014/main" id="{EE12F7B1-E39A-4F84-8C09-2835FB2B1D08}"/>
-              </a:ext>
-            </a:extLst>
-          </p:cNvPr>
+          <p:cNvPr id="3" name="内容占位符 2"/>
           <p:cNvSpPr>
             <a:spLocks noGrp="1"/>
           </p:cNvSpPr>
@@ -8838,13 +8677,7 @@
       </p:sp>
       <p:sp>
         <p:nvSpPr>
-          <p:cNvPr id="4" name="页脚占位符 3">
-            <a:extLst>
-              <a:ext uri="{FF2B5EF4-FFF2-40B4-BE49-F238E27FC236}">
-                <a16:creationId xmlns:a16="http://schemas.microsoft.com/office/drawing/2014/main" id="{D9128B25-CF1A-4148-A543-252C33C76AD5}"/>
-              </a:ext>
-            </a:extLst>
-          </p:cNvPr>
+          <p:cNvPr id="4" name="页脚占位符 3"/>
           <p:cNvSpPr>
             <a:spLocks noGrp="1"/>
           </p:cNvSpPr>
@@ -8869,11 +8702,6 @@
         </p:txBody>
       </p:sp>
     </p:spTree>
-    <p:extLst>
-      <p:ext uri="{BB962C8B-B14F-4D97-AF65-F5344CB8AC3E}">
-        <p14:creationId xmlns:p14="http://schemas.microsoft.com/office/powerpoint/2010/main" val="3727098105"/>
-      </p:ext>
-    </p:extLst>
   </p:cSld>
   <p:clrMapOvr>
     <a:masterClrMapping/>
@@ -8900,13 +8728,7 @@
       </p:grpSpPr>
       <p:sp>
         <p:nvSpPr>
-          <p:cNvPr id="3" name="内容占位符 2">
-            <a:extLst>
-              <a:ext uri="{FF2B5EF4-FFF2-40B4-BE49-F238E27FC236}">
-                <a16:creationId xmlns:a16="http://schemas.microsoft.com/office/drawing/2014/main" id="{1FEE73F6-8162-49F0-A4B5-19EECE0D2FB5}"/>
-              </a:ext>
-            </a:extLst>
-          </p:cNvPr>
+          <p:cNvPr id="3" name="内容占位符 2"/>
           <p:cNvSpPr>
             <a:spLocks noGrp="1"/>
           </p:cNvSpPr>
@@ -9113,6 +8935,7 @@
               <a:rPr lang="zh-CN" altLang="zh-CN" sz="1600" dirty="0"/>
               <a:t>队列</a:t>
             </a:r>
+            <a:endParaRPr lang="zh-CN" altLang="zh-CN" sz="1600" dirty="0"/>
           </a:p>
           <a:p>
             <a:pPr marL="0" indent="0">
@@ -9358,6 +9181,7 @@
               <a:rPr lang="zh-CN" altLang="zh-CN" sz="1600" dirty="0"/>
               <a:t>栈</a:t>
             </a:r>
+            <a:endParaRPr lang="zh-CN" altLang="zh-CN" sz="1600" dirty="0"/>
           </a:p>
           <a:p>
             <a:pPr marL="0" indent="0">
@@ -9609,13 +9433,7 @@
       </p:sp>
       <p:sp>
         <p:nvSpPr>
-          <p:cNvPr id="4" name="页脚占位符 3">
-            <a:extLst>
-              <a:ext uri="{FF2B5EF4-FFF2-40B4-BE49-F238E27FC236}">
-                <a16:creationId xmlns:a16="http://schemas.microsoft.com/office/drawing/2014/main" id="{2F9144C8-2F1B-47F9-BF1E-7FD9BA5E5189}"/>
-              </a:ext>
-            </a:extLst>
-          </p:cNvPr>
+          <p:cNvPr id="4" name="页脚占位符 3"/>
           <p:cNvSpPr>
             <a:spLocks noGrp="1"/>
           </p:cNvSpPr>
@@ -9640,11 +9458,6 @@
         </p:txBody>
       </p:sp>
     </p:spTree>
-    <p:extLst>
-      <p:ext uri="{BB962C8B-B14F-4D97-AF65-F5344CB8AC3E}">
-        <p14:creationId xmlns:p14="http://schemas.microsoft.com/office/powerpoint/2010/main" val="214738213"/>
-      </p:ext>
-    </p:extLst>
   </p:cSld>
   <p:clrMapOvr>
     <a:masterClrMapping/>
@@ -9671,13 +9484,7 @@
       </p:grpSpPr>
       <p:sp>
         <p:nvSpPr>
-          <p:cNvPr id="2" name="标题 1">
-            <a:extLst>
-              <a:ext uri="{FF2B5EF4-FFF2-40B4-BE49-F238E27FC236}">
-                <a16:creationId xmlns:a16="http://schemas.microsoft.com/office/drawing/2014/main" id="{B9727239-07B9-477D-9575-D27618DFD2D5}"/>
-              </a:ext>
-            </a:extLst>
-          </p:cNvPr>
+          <p:cNvPr id="2" name="标题 1"/>
           <p:cNvSpPr>
             <a:spLocks noGrp="1"/>
           </p:cNvSpPr>
@@ -9720,13 +9527,7 @@
       </p:sp>
       <p:sp>
         <p:nvSpPr>
-          <p:cNvPr id="3" name="内容占位符 2">
-            <a:extLst>
-              <a:ext uri="{FF2B5EF4-FFF2-40B4-BE49-F238E27FC236}">
-                <a16:creationId xmlns:a16="http://schemas.microsoft.com/office/drawing/2014/main" id="{ADF0DBDD-BC47-42DF-ABC1-101D59A6E260}"/>
-              </a:ext>
-            </a:extLst>
-          </p:cNvPr>
+          <p:cNvPr id="3" name="内容占位符 2"/>
           <p:cNvSpPr>
             <a:spLocks noGrp="1"/>
           </p:cNvSpPr>
@@ -9781,6 +9582,7 @@
               <a:rPr lang="zh-CN" altLang="zh-CN" dirty="0"/>
               <a:t>操作，优先队列都会动态调整，把优先级最高的元素放在前面。</a:t>
             </a:r>
+            <a:endParaRPr lang="zh-CN" altLang="zh-CN" dirty="0"/>
           </a:p>
           <a:p>
             <a:endParaRPr lang="zh-CN" altLang="en-US" dirty="0"/>
@@ -9789,13 +9591,7 @@
       </p:sp>
       <p:sp>
         <p:nvSpPr>
-          <p:cNvPr id="4" name="页脚占位符 3">
-            <a:extLst>
-              <a:ext uri="{FF2B5EF4-FFF2-40B4-BE49-F238E27FC236}">
-                <a16:creationId xmlns:a16="http://schemas.microsoft.com/office/drawing/2014/main" id="{BCEFE368-3795-4466-97C9-ADC662FCB351}"/>
-              </a:ext>
-            </a:extLst>
-          </p:cNvPr>
+          <p:cNvPr id="4" name="页脚占位符 3"/>
           <p:cNvSpPr>
             <a:spLocks noGrp="1"/>
           </p:cNvSpPr>
@@ -9820,11 +9616,6 @@
         </p:txBody>
       </p:sp>
     </p:spTree>
-    <p:extLst>
-      <p:ext uri="{BB962C8B-B14F-4D97-AF65-F5344CB8AC3E}">
-        <p14:creationId xmlns:p14="http://schemas.microsoft.com/office/powerpoint/2010/main" val="3041619662"/>
-      </p:ext>
-    </p:extLst>
   </p:cSld>
   <p:clrMapOvr>
     <a:masterClrMapping/>
@@ -9851,13 +9642,7 @@
       </p:grpSpPr>
       <p:sp>
         <p:nvSpPr>
-          <p:cNvPr id="2" name="标题 1">
-            <a:extLst>
-              <a:ext uri="{FF2B5EF4-FFF2-40B4-BE49-F238E27FC236}">
-                <a16:creationId xmlns:a16="http://schemas.microsoft.com/office/drawing/2014/main" id="{807D6F17-5A2E-4764-9790-1D6F67710325}"/>
-              </a:ext>
-            </a:extLst>
-          </p:cNvPr>
+          <p:cNvPr id="2" name="标题 1"/>
           <p:cNvSpPr>
             <a:spLocks noGrp="1"/>
           </p:cNvSpPr>
@@ -9888,13 +9673,7 @@
       </p:sp>
       <p:sp>
         <p:nvSpPr>
-          <p:cNvPr id="3" name="内容占位符 2">
-            <a:extLst>
-              <a:ext uri="{FF2B5EF4-FFF2-40B4-BE49-F238E27FC236}">
-                <a16:creationId xmlns:a16="http://schemas.microsoft.com/office/drawing/2014/main" id="{440C68A7-AC47-4C72-889C-EFCF31C7A194}"/>
-              </a:ext>
-            </a:extLst>
-          </p:cNvPr>
+          <p:cNvPr id="3" name="内容占位符 2"/>
           <p:cNvSpPr>
             <a:spLocks noGrp="1"/>
           </p:cNvSpPr>
@@ -9950,6 +9729,7 @@
               <a:rPr lang="zh-CN" altLang="zh-CN" sz="2800" dirty="0"/>
               <a:t>删除最高优先级元素</a:t>
             </a:r>
+            <a:endParaRPr lang="zh-CN" altLang="zh-CN" sz="2800" dirty="0"/>
           </a:p>
           <a:p>
             <a:r>
@@ -9968,6 +9748,7 @@
               <a:rPr lang="zh-CN" altLang="zh-CN" sz="2800" dirty="0"/>
               <a:t>插入新元素</a:t>
             </a:r>
+            <a:endParaRPr lang="zh-CN" altLang="zh-CN" sz="2800" dirty="0"/>
           </a:p>
           <a:p>
             <a:endParaRPr lang="zh-CN" altLang="en-US" dirty="0"/>
@@ -9976,13 +9757,7 @@
       </p:sp>
       <p:sp>
         <p:nvSpPr>
-          <p:cNvPr id="4" name="页脚占位符 3">
-            <a:extLst>
-              <a:ext uri="{FF2B5EF4-FFF2-40B4-BE49-F238E27FC236}">
-                <a16:creationId xmlns:a16="http://schemas.microsoft.com/office/drawing/2014/main" id="{7E0D2D2E-F44C-4D36-B6F6-95D4317FEC5D}"/>
-              </a:ext>
-            </a:extLst>
-          </p:cNvPr>
+          <p:cNvPr id="4" name="页脚占位符 3"/>
           <p:cNvSpPr>
             <a:spLocks noGrp="1"/>
           </p:cNvSpPr>
@@ -10007,11 +9782,6 @@
         </p:txBody>
       </p:sp>
     </p:spTree>
-    <p:extLst>
-      <p:ext uri="{BB962C8B-B14F-4D97-AF65-F5344CB8AC3E}">
-        <p14:creationId xmlns:p14="http://schemas.microsoft.com/office/powerpoint/2010/main" val="3152295466"/>
-      </p:ext>
-    </p:extLst>
   </p:cSld>
   <p:clrMapOvr>
     <a:masterClrMapping/>
@@ -10038,13 +9808,7 @@
       </p:grpSpPr>
       <p:sp>
         <p:nvSpPr>
-          <p:cNvPr id="3" name="内容占位符 2">
-            <a:extLst>
-              <a:ext uri="{FF2B5EF4-FFF2-40B4-BE49-F238E27FC236}">
-                <a16:creationId xmlns:a16="http://schemas.microsoft.com/office/drawing/2014/main" id="{1F198A6B-BC5D-4329-977A-567B227F69D1}"/>
-              </a:ext>
-            </a:extLst>
-          </p:cNvPr>
+          <p:cNvPr id="3" name="内容占位符 2"/>
           <p:cNvSpPr>
             <a:spLocks noGrp="1"/>
           </p:cNvSpPr>
@@ -10126,6 +9890,7 @@
               <a:rPr lang="zh-CN" altLang="zh-CN" dirty="0"/>
               <a:t>。</a:t>
             </a:r>
+            <a:endParaRPr lang="zh-CN" altLang="zh-CN" dirty="0"/>
           </a:p>
           <a:p>
             <a:endParaRPr lang="en-US" altLang="zh-CN" dirty="0"/>
@@ -10185,6 +9950,7 @@
               <a:rPr lang="zh-CN" altLang="zh-CN" dirty="0"/>
               <a:t>看病要排队。</a:t>
             </a:r>
+            <a:endParaRPr lang="zh-CN" altLang="zh-CN" dirty="0"/>
           </a:p>
           <a:p>
             <a:endParaRPr lang="zh-CN" altLang="en-US" dirty="0"/>
@@ -10193,13 +9959,7 @@
       </p:sp>
       <p:sp>
         <p:nvSpPr>
-          <p:cNvPr id="4" name="页脚占位符 3">
-            <a:extLst>
-              <a:ext uri="{FF2B5EF4-FFF2-40B4-BE49-F238E27FC236}">
-                <a16:creationId xmlns:a16="http://schemas.microsoft.com/office/drawing/2014/main" id="{8E2384EB-CE6F-4C13-AFDC-40EA2C402E1F}"/>
-              </a:ext>
-            </a:extLst>
-          </p:cNvPr>
+          <p:cNvPr id="4" name="页脚占位符 3"/>
           <p:cNvSpPr>
             <a:spLocks noGrp="1"/>
           </p:cNvSpPr>
@@ -10224,11 +9984,6 @@
         </p:txBody>
       </p:sp>
     </p:spTree>
-    <p:extLst>
-      <p:ext uri="{BB962C8B-B14F-4D97-AF65-F5344CB8AC3E}">
-        <p14:creationId xmlns:p14="http://schemas.microsoft.com/office/powerpoint/2010/main" val="4090229424"/>
-      </p:ext>
-    </p:extLst>
   </p:cSld>
   <p:clrMapOvr>
     <a:masterClrMapping/>
@@ -10255,13 +10010,7 @@
       </p:grpSpPr>
       <p:sp>
         <p:nvSpPr>
-          <p:cNvPr id="2" name="标题 1">
-            <a:extLst>
-              <a:ext uri="{FF2B5EF4-FFF2-40B4-BE49-F238E27FC236}">
-                <a16:creationId xmlns:a16="http://schemas.microsoft.com/office/drawing/2014/main" id="{1347FF41-C667-416A-8318-553F2826E651}"/>
-              </a:ext>
-            </a:extLst>
-          </p:cNvPr>
+          <p:cNvPr id="2" name="标题 1"/>
           <p:cNvSpPr>
             <a:spLocks noGrp="1"/>
           </p:cNvSpPr>
@@ -10304,13 +10053,7 @@
       </p:sp>
       <p:sp>
         <p:nvSpPr>
-          <p:cNvPr id="3" name="内容占位符 2">
-            <a:extLst>
-              <a:ext uri="{FF2B5EF4-FFF2-40B4-BE49-F238E27FC236}">
-                <a16:creationId xmlns:a16="http://schemas.microsoft.com/office/drawing/2014/main" id="{8A103826-9CB3-424B-9C27-9FD656BD4835}"/>
-              </a:ext>
-            </a:extLst>
-          </p:cNvPr>
+          <p:cNvPr id="3" name="内容占位符 2"/>
           <p:cNvSpPr>
             <a:spLocks noGrp="1"/>
           </p:cNvSpPr>
@@ -10359,6 +10102,7 @@
               <a:rPr lang="zh-CN" altLang="zh-CN" sz="2400" dirty="0"/>
               <a:t>连续，通过指针来进行数据的访问，高效率地在任意地方删除和插入，插入和删除操作是常数时间。</a:t>
             </a:r>
+            <a:endParaRPr lang="zh-CN" altLang="zh-CN" sz="2400" dirty="0"/>
           </a:p>
           <a:p>
             <a:r>
@@ -10377,6 +10121,7 @@
               <a:rPr lang="zh-CN" altLang="zh-CN" sz="2800" dirty="0"/>
               <a:t>的优缺点正好相反，它们的应用场景不同：</a:t>
             </a:r>
+            <a:endParaRPr lang="zh-CN" altLang="zh-CN" sz="2800" dirty="0"/>
           </a:p>
           <a:p>
             <a:pPr marL="400050" lvl="1" indent="0">
@@ -10402,6 +10147,7 @@
               <a:rPr lang="zh-CN" altLang="zh-CN" dirty="0"/>
               <a:t>：插入和删除操作少，随机访问元素频繁；</a:t>
             </a:r>
+            <a:endParaRPr lang="zh-CN" altLang="zh-CN" dirty="0"/>
           </a:p>
           <a:p>
             <a:pPr marL="400050" lvl="1" indent="0">
@@ -10427,6 +10173,7 @@
               <a:rPr lang="zh-CN" altLang="zh-CN" dirty="0"/>
               <a:t>：插入和删除频繁，随机访问较少。</a:t>
             </a:r>
+            <a:endParaRPr lang="zh-CN" altLang="zh-CN" dirty="0"/>
           </a:p>
           <a:p>
             <a:endParaRPr lang="zh-CN" altLang="en-US" sz="2800" dirty="0"/>
@@ -10435,13 +10182,7 @@
       </p:sp>
       <p:sp>
         <p:nvSpPr>
-          <p:cNvPr id="4" name="页脚占位符 3">
-            <a:extLst>
-              <a:ext uri="{FF2B5EF4-FFF2-40B4-BE49-F238E27FC236}">
-                <a16:creationId xmlns:a16="http://schemas.microsoft.com/office/drawing/2014/main" id="{4C4F79F5-E90C-4B93-B33E-D43A4DED9D8B}"/>
-              </a:ext>
-            </a:extLst>
-          </p:cNvPr>
+          <p:cNvPr id="4" name="页脚占位符 3"/>
           <p:cNvSpPr>
             <a:spLocks noGrp="1"/>
           </p:cNvSpPr>
@@ -10466,11 +10207,6 @@
         </p:txBody>
       </p:sp>
     </p:spTree>
-    <p:extLst>
-      <p:ext uri="{BB962C8B-B14F-4D97-AF65-F5344CB8AC3E}">
-        <p14:creationId xmlns:p14="http://schemas.microsoft.com/office/powerpoint/2010/main" val="1160250818"/>
-      </p:ext>
-    </p:extLst>
   </p:cSld>
   <p:clrMapOvr>
     <a:masterClrMapping/>
@@ -10497,13 +10233,7 @@
       </p:grpSpPr>
       <p:sp>
         <p:nvSpPr>
-          <p:cNvPr id="2" name="标题 1">
-            <a:extLst>
-              <a:ext uri="{FF2B5EF4-FFF2-40B4-BE49-F238E27FC236}">
-                <a16:creationId xmlns:a16="http://schemas.microsoft.com/office/drawing/2014/main" id="{43EA6450-1920-4948-903E-3C3AA70FA5E0}"/>
-              </a:ext>
-            </a:extLst>
-          </p:cNvPr>
+          <p:cNvPr id="2" name="标题 1"/>
           <p:cNvSpPr>
             <a:spLocks noGrp="1"/>
           </p:cNvSpPr>
@@ -10550,13 +10280,7 @@
       </p:sp>
       <p:sp>
         <p:nvSpPr>
-          <p:cNvPr id="3" name="内容占位符 2">
-            <a:extLst>
-              <a:ext uri="{FF2B5EF4-FFF2-40B4-BE49-F238E27FC236}">
-                <a16:creationId xmlns:a16="http://schemas.microsoft.com/office/drawing/2014/main" id="{361A4B27-E018-44B7-8369-396B518983BB}"/>
-              </a:ext>
-            </a:extLst>
-          </p:cNvPr>
+          <p:cNvPr id="3" name="内容占位符 2"/>
           <p:cNvSpPr>
             <a:spLocks noGrp="1"/>
           </p:cNvSpPr>
@@ -10669,12 +10393,14 @@
               <a:rPr lang="zh-CN" altLang="zh-CN" sz="2800" dirty="0"/>
               <a:t>人为止。</a:t>
             </a:r>
+            <a:endParaRPr lang="zh-CN" altLang="zh-CN" sz="2800" dirty="0"/>
           </a:p>
           <a:p>
             <a:r>
               <a:rPr lang="zh-CN" altLang="zh-CN" sz="2800" dirty="0"/>
               <a:t>输入：士兵人数。</a:t>
             </a:r>
+            <a:endParaRPr lang="zh-CN" altLang="zh-CN" sz="2800" dirty="0"/>
           </a:p>
           <a:p>
             <a:r>
@@ -10687,13 +10413,7 @@
       </p:sp>
       <p:sp>
         <p:nvSpPr>
-          <p:cNvPr id="4" name="页脚占位符 3">
-            <a:extLst>
-              <a:ext uri="{FF2B5EF4-FFF2-40B4-BE49-F238E27FC236}">
-                <a16:creationId xmlns:a16="http://schemas.microsoft.com/office/drawing/2014/main" id="{3F09C484-AE4A-4E43-8BBA-2CA9806A0543}"/>
-              </a:ext>
-            </a:extLst>
-          </p:cNvPr>
+          <p:cNvPr id="4" name="页脚占位符 3"/>
           <p:cNvSpPr>
             <a:spLocks noGrp="1"/>
           </p:cNvSpPr>
@@ -10718,11 +10438,6 @@
         </p:txBody>
       </p:sp>
     </p:spTree>
-    <p:extLst>
-      <p:ext uri="{BB962C8B-B14F-4D97-AF65-F5344CB8AC3E}">
-        <p14:creationId xmlns:p14="http://schemas.microsoft.com/office/powerpoint/2010/main" val="2767135057"/>
-      </p:ext>
-    </p:extLst>
   </p:cSld>
   <p:clrMapOvr>
     <a:masterClrMapping/>
@@ -10749,13 +10464,7 @@
       </p:grpSpPr>
       <p:sp>
         <p:nvSpPr>
-          <p:cNvPr id="3" name="内容占位符 2">
-            <a:extLst>
-              <a:ext uri="{FF2B5EF4-FFF2-40B4-BE49-F238E27FC236}">
-                <a16:creationId xmlns:a16="http://schemas.microsoft.com/office/drawing/2014/main" id="{1C5CF8C1-19C4-41BF-86AC-158546FB4F6A}"/>
-              </a:ext>
-            </a:extLst>
-          </p:cNvPr>
+          <p:cNvPr id="3" name="内容占位符 2"/>
           <p:cNvSpPr>
             <a:spLocks noGrp="1"/>
           </p:cNvSpPr>
@@ -10920,6 +10629,7 @@
               <a:rPr lang="zh-CN" altLang="zh-CN" sz="2000" dirty="0"/>
               <a:t>定义</a:t>
             </a:r>
+            <a:endParaRPr lang="zh-CN" altLang="zh-CN" sz="2000" dirty="0"/>
           </a:p>
           <a:p>
             <a:pPr marL="0" indent="0">
@@ -11005,6 +10715,7 @@
               <a:rPr lang="zh-CN" altLang="zh-CN" sz="2000" dirty="0"/>
               <a:t>赋值</a:t>
             </a:r>
+            <a:endParaRPr lang="zh-CN" altLang="zh-CN" sz="2000" dirty="0"/>
           </a:p>
           <a:p>
             <a:pPr marL="0" indent="0">
@@ -11178,6 +10889,7 @@
               <a:rPr lang="zh-CN" altLang="zh-CN" sz="2000" dirty="0"/>
               <a:t>报数</a:t>
             </a:r>
+            <a:endParaRPr lang="zh-CN" altLang="zh-CN" sz="2000" dirty="0"/>
           </a:p>
           <a:p>
             <a:pPr marL="0" indent="0">
@@ -11341,13 +11053,7 @@
       </p:sp>
       <p:sp>
         <p:nvSpPr>
-          <p:cNvPr id="4" name="页脚占位符 3">
-            <a:extLst>
-              <a:ext uri="{FF2B5EF4-FFF2-40B4-BE49-F238E27FC236}">
-                <a16:creationId xmlns:a16="http://schemas.microsoft.com/office/drawing/2014/main" id="{DB521466-AF2E-4F97-ADF3-F61B539E3A93}"/>
-              </a:ext>
-            </a:extLst>
-          </p:cNvPr>
+          <p:cNvPr id="4" name="页脚占位符 3"/>
           <p:cNvSpPr>
             <a:spLocks noGrp="1"/>
           </p:cNvSpPr>
@@ -11372,11 +11078,6 @@
         </p:txBody>
       </p:sp>
     </p:spTree>
-    <p:extLst>
-      <p:ext uri="{BB962C8B-B14F-4D97-AF65-F5344CB8AC3E}">
-        <p14:creationId xmlns:p14="http://schemas.microsoft.com/office/powerpoint/2010/main" val="4289620797"/>
-      </p:ext>
-    </p:extLst>
   </p:cSld>
   <p:clrMapOvr>
     <a:masterClrMapping/>
@@ -11403,13 +11104,7 @@
       </p:grpSpPr>
       <p:sp>
         <p:nvSpPr>
-          <p:cNvPr id="2" name="标题 1">
-            <a:extLst>
-              <a:ext uri="{FF2B5EF4-FFF2-40B4-BE49-F238E27FC236}">
-                <a16:creationId xmlns:a16="http://schemas.microsoft.com/office/drawing/2014/main" id="{8150ECBB-0609-4D34-A001-35FD55188919}"/>
-              </a:ext>
-            </a:extLst>
-          </p:cNvPr>
+          <p:cNvPr id="2" name="标题 1"/>
           <p:cNvSpPr>
             <a:spLocks noGrp="1"/>
           </p:cNvSpPr>
@@ -11444,13 +11139,7 @@
       </p:sp>
       <p:sp>
         <p:nvSpPr>
-          <p:cNvPr id="3" name="内容占位符 2">
-            <a:extLst>
-              <a:ext uri="{FF2B5EF4-FFF2-40B4-BE49-F238E27FC236}">
-                <a16:creationId xmlns:a16="http://schemas.microsoft.com/office/drawing/2014/main" id="{55FA9145-1AE2-46CF-B4C1-581C898AF05A}"/>
-              </a:ext>
-            </a:extLst>
-          </p:cNvPr>
+          <p:cNvPr id="3" name="内容占位符 2"/>
           <p:cNvSpPr>
             <a:spLocks noGrp="1"/>
           </p:cNvSpPr>
@@ -11510,6 +11199,7 @@
               <a:rPr lang="zh-CN" altLang="zh-CN" dirty="0"/>
               <a:t>的。</a:t>
             </a:r>
+            <a:endParaRPr lang="zh-CN" altLang="zh-CN" dirty="0"/>
           </a:p>
           <a:p>
             <a:endParaRPr lang="en-US" altLang="zh-CN" dirty="0"/>
@@ -11555,6 +11245,7 @@
               <a:rPr lang="zh-CN" altLang="zh-CN" dirty="0"/>
               <a:t>实现，能极大地简化代码。</a:t>
             </a:r>
+            <a:endParaRPr lang="zh-CN" altLang="zh-CN" dirty="0"/>
           </a:p>
           <a:p>
             <a:endParaRPr lang="zh-CN" altLang="en-US" dirty="0"/>
@@ -11563,13 +11254,7 @@
       </p:sp>
       <p:sp>
         <p:nvSpPr>
-          <p:cNvPr id="4" name="页脚占位符 3">
-            <a:extLst>
-              <a:ext uri="{FF2B5EF4-FFF2-40B4-BE49-F238E27FC236}">
-                <a16:creationId xmlns:a16="http://schemas.microsoft.com/office/drawing/2014/main" id="{C4E637D2-1D07-442F-87A2-4B2E209CEDCF}"/>
-              </a:ext>
-            </a:extLst>
-          </p:cNvPr>
+          <p:cNvPr id="4" name="页脚占位符 3"/>
           <p:cNvSpPr>
             <a:spLocks noGrp="1"/>
           </p:cNvSpPr>
@@ -11594,11 +11279,6 @@
         </p:txBody>
       </p:sp>
     </p:spTree>
-    <p:extLst>
-      <p:ext uri="{BB962C8B-B14F-4D97-AF65-F5344CB8AC3E}">
-        <p14:creationId xmlns:p14="http://schemas.microsoft.com/office/powerpoint/2010/main" val="3635825276"/>
-      </p:ext>
-    </p:extLst>
   </p:cSld>
   <p:clrMapOvr>
     <a:masterClrMapping/>
@@ -11625,13 +11305,7 @@
       </p:grpSpPr>
       <p:sp>
         <p:nvSpPr>
-          <p:cNvPr id="2" name="标题 1">
-            <a:extLst>
-              <a:ext uri="{FF2B5EF4-FFF2-40B4-BE49-F238E27FC236}">
-                <a16:creationId xmlns:a16="http://schemas.microsoft.com/office/drawing/2014/main" id="{3F4A9A45-21BC-4492-807A-128E4B7DDFD3}"/>
-              </a:ext>
-            </a:extLst>
-          </p:cNvPr>
+          <p:cNvPr id="2" name="标题 1"/>
           <p:cNvSpPr>
             <a:spLocks noGrp="1"/>
           </p:cNvSpPr>
@@ -11675,23 +11349,12 @@
       </p:sp>
       <p:graphicFrame>
         <p:nvGraphicFramePr>
-          <p:cNvPr id="4" name="内容占位符 3">
-            <a:extLst>
-              <a:ext uri="{FF2B5EF4-FFF2-40B4-BE49-F238E27FC236}">
-                <a16:creationId xmlns:a16="http://schemas.microsoft.com/office/drawing/2014/main" id="{7EBE162D-8205-4C45-9D30-72A177ACBBEB}"/>
-              </a:ext>
-            </a:extLst>
-          </p:cNvPr>
+          <p:cNvPr id="4" name="内容占位符 3"/>
           <p:cNvGraphicFramePr>
             <a:graphicFrameLocks noGrp="1"/>
           </p:cNvGraphicFramePr>
           <p:nvPr>
             <p:ph idx="1"/>
-            <p:extLst>
-              <p:ext uri="{D42A27DB-BD31-4B8C-83A1-F6EECF244321}">
-                <p14:modId xmlns:p14="http://schemas.microsoft.com/office/powerpoint/2010/main" val="3403985197"/>
-              </p:ext>
-            </p:extLst>
           </p:nvPr>
         </p:nvGraphicFramePr>
         <p:xfrm>
@@ -11705,20 +11368,8 @@
                 <a:tableStyleId>{5C22544A-7EE6-4342-B048-85BDC9FD1C3A}</a:tableStyleId>
               </a:tblPr>
               <a:tblGrid>
-                <a:gridCol w="3096344">
-                  <a:extLst>
-                    <a:ext uri="{9D8B030D-6E8A-4147-A177-3AD203B41FA5}">
-                      <a16:colId xmlns:a16="http://schemas.microsoft.com/office/drawing/2014/main" val="1006785570"/>
-                    </a:ext>
-                  </a:extLst>
-                </a:gridCol>
-                <a:gridCol w="5832648">
-                  <a:extLst>
-                    <a:ext uri="{9D8B030D-6E8A-4147-A177-3AD203B41FA5}">
-                      <a16:colId xmlns:a16="http://schemas.microsoft.com/office/drawing/2014/main" val="224143297"/>
-                    </a:ext>
-                  </a:extLst>
-                </a:gridCol>
+                <a:gridCol w="3096344"/>
+                <a:gridCol w="5832648"/>
               </a:tblGrid>
               <a:tr h="386220">
                 <a:tc>
@@ -11793,11 +11444,6 @@
                     </a:solidFill>
                   </a:tcPr>
                 </a:tc>
-                <a:extLst>
-                  <a:ext uri="{0D108BD9-81ED-4DB2-BD59-A6C34878D82A}">
-                    <a16:rowId xmlns:a16="http://schemas.microsoft.com/office/drawing/2014/main" val="832681181"/>
-                  </a:ext>
-                </a:extLst>
               </a:tr>
               <a:tr h="453613">
                 <a:tc>
@@ -11872,11 +11518,6 @@
                     </a:solidFill>
                   </a:tcPr>
                 </a:tc>
-                <a:extLst>
-                  <a:ext uri="{0D108BD9-81ED-4DB2-BD59-A6C34878D82A}">
-                    <a16:rowId xmlns:a16="http://schemas.microsoft.com/office/drawing/2014/main" val="288688850"/>
-                  </a:ext>
-                </a:extLst>
               </a:tr>
               <a:tr h="453613">
                 <a:tc>
@@ -11978,11 +11619,6 @@
                     </a:solidFill>
                   </a:tcPr>
                 </a:tc>
-                <a:extLst>
-                  <a:ext uri="{0D108BD9-81ED-4DB2-BD59-A6C34878D82A}">
-                    <a16:rowId xmlns:a16="http://schemas.microsoft.com/office/drawing/2014/main" val="2488989373"/>
-                  </a:ext>
-                </a:extLst>
               </a:tr>
               <a:tr h="453613">
                 <a:tc>
@@ -12066,11 +11702,6 @@
                     </a:solidFill>
                   </a:tcPr>
                 </a:tc>
-                <a:extLst>
-                  <a:ext uri="{0D108BD9-81ED-4DB2-BD59-A6C34878D82A}">
-                    <a16:rowId xmlns:a16="http://schemas.microsoft.com/office/drawing/2014/main" val="2655973335"/>
-                  </a:ext>
-                </a:extLst>
               </a:tr>
               <a:tr h="453613">
                 <a:tc>
@@ -12154,11 +11785,6 @@
                     </a:solidFill>
                   </a:tcPr>
                 </a:tc>
-                <a:extLst>
-                  <a:ext uri="{0D108BD9-81ED-4DB2-BD59-A6C34878D82A}">
-                    <a16:rowId xmlns:a16="http://schemas.microsoft.com/office/drawing/2014/main" val="3398701597"/>
-                  </a:ext>
-                </a:extLst>
               </a:tr>
               <a:tr h="453613">
                 <a:tc>
@@ -12233,11 +11859,6 @@
                     </a:solidFill>
                   </a:tcPr>
                 </a:tc>
-                <a:extLst>
-                  <a:ext uri="{0D108BD9-81ED-4DB2-BD59-A6C34878D82A}">
-                    <a16:rowId xmlns:a16="http://schemas.microsoft.com/office/drawing/2014/main" val="3852289186"/>
-                  </a:ext>
-                </a:extLst>
               </a:tr>
               <a:tr h="453613">
                 <a:tc>
@@ -12312,11 +11933,6 @@
                     </a:solidFill>
                   </a:tcPr>
                 </a:tc>
-                <a:extLst>
-                  <a:ext uri="{0D108BD9-81ED-4DB2-BD59-A6C34878D82A}">
-                    <a16:rowId xmlns:a16="http://schemas.microsoft.com/office/drawing/2014/main" val="1766182780"/>
-                  </a:ext>
-                </a:extLst>
               </a:tr>
               <a:tr h="453613">
                 <a:tc>
@@ -12400,11 +12016,6 @@
                     </a:solidFill>
                   </a:tcPr>
                 </a:tc>
-                <a:extLst>
-                  <a:ext uri="{0D108BD9-81ED-4DB2-BD59-A6C34878D82A}">
-                    <a16:rowId xmlns:a16="http://schemas.microsoft.com/office/drawing/2014/main" val="3832788841"/>
-                  </a:ext>
-                </a:extLst>
               </a:tr>
               <a:tr h="762637">
                 <a:tc>
@@ -12497,11 +12108,6 @@
                     </a:solidFill>
                   </a:tcPr>
                 </a:tc>
-                <a:extLst>
-                  <a:ext uri="{0D108BD9-81ED-4DB2-BD59-A6C34878D82A}">
-                    <a16:rowId xmlns:a16="http://schemas.microsoft.com/office/drawing/2014/main" val="2390983811"/>
-                  </a:ext>
-                </a:extLst>
               </a:tr>
               <a:tr h="762637">
                 <a:tc>
@@ -12603,11 +12209,6 @@
                     </a:solidFill>
                   </a:tcPr>
                 </a:tc>
-                <a:extLst>
-                  <a:ext uri="{0D108BD9-81ED-4DB2-BD59-A6C34878D82A}">
-                    <a16:rowId xmlns:a16="http://schemas.microsoft.com/office/drawing/2014/main" val="1403430323"/>
-                  </a:ext>
-                </a:extLst>
               </a:tr>
             </a:tbl>
           </a:graphicData>
@@ -12615,13 +12216,7 @@
       </p:graphicFrame>
       <p:sp>
         <p:nvSpPr>
-          <p:cNvPr id="5" name="页脚占位符 4">
-            <a:extLst>
-              <a:ext uri="{FF2B5EF4-FFF2-40B4-BE49-F238E27FC236}">
-                <a16:creationId xmlns:a16="http://schemas.microsoft.com/office/drawing/2014/main" id="{17517788-0CBA-4536-8DDA-68DEFF3ACC90}"/>
-              </a:ext>
-            </a:extLst>
-          </p:cNvPr>
+          <p:cNvPr id="5" name="页脚占位符 4"/>
           <p:cNvSpPr>
             <a:spLocks noGrp="1"/>
           </p:cNvSpPr>
@@ -12646,11 +12241,6 @@
         </p:txBody>
       </p:sp>
     </p:spTree>
-    <p:extLst>
-      <p:ext uri="{BB962C8B-B14F-4D97-AF65-F5344CB8AC3E}">
-        <p14:creationId xmlns:p14="http://schemas.microsoft.com/office/powerpoint/2010/main" val="3166091261"/>
-      </p:ext>
-    </p:extLst>
   </p:cSld>
   <p:clrMapOvr>
     <a:masterClrMapping/>
@@ -12743,20 +12333,14 @@
       </p:sp>
       <p:pic>
         <p:nvPicPr>
-          <p:cNvPr id="22530" name="Picture 2" descr="https://ss2.bdstatic.com/70cFvnSh_Q1YnxGkpoWK1HF6hhy/it/u=2996729480,1244128854&amp;fm=26&amp;gp=0.jpg">
-            <a:extLst>
-              <a:ext uri="{FF2B5EF4-FFF2-40B4-BE49-F238E27FC236}">
-                <a16:creationId xmlns:a16="http://schemas.microsoft.com/office/drawing/2014/main" id="{23089F56-434B-4A9C-873B-E4A6CBEB6320}"/>
-              </a:ext>
-            </a:extLst>
-          </p:cNvPr>
+          <p:cNvPr id="22530" name="Picture 2" descr="https://ss2.bdstatic.com/70cFvnSh_Q1YnxGkpoWK1HF6hhy/it/u=2996729480,1244128854&amp;fm=26&amp;gp=0.jpg"/>
           <p:cNvPicPr>
             <a:picLocks noChangeAspect="1" noChangeArrowheads="1"/>
           </p:cNvPicPr>
           <p:nvPr/>
         </p:nvPicPr>
         <p:blipFill>
-          <a:blip r:embed="rId2">
+          <a:blip r:embed="rId1">
             <a:extLst>
               <a:ext uri="{28A0092B-C50C-407E-A947-70E740481C1C}">
                 <a14:useLocalDpi xmlns:a14="http://schemas.microsoft.com/office/drawing/2010/main" val="0"/>
@@ -12790,13 +12374,7 @@
       </p:pic>
       <p:sp>
         <p:nvSpPr>
-          <p:cNvPr id="2" name="页脚占位符 1">
-            <a:extLst>
-              <a:ext uri="{FF2B5EF4-FFF2-40B4-BE49-F238E27FC236}">
-                <a16:creationId xmlns:a16="http://schemas.microsoft.com/office/drawing/2014/main" id="{5F29DB5C-61B8-4B82-9466-52E9921A177B}"/>
-              </a:ext>
-            </a:extLst>
-          </p:cNvPr>
+          <p:cNvPr id="2" name="页脚占位符 1"/>
           <p:cNvSpPr>
             <a:spLocks noGrp="1"/>
           </p:cNvSpPr>
@@ -12847,13 +12425,7 @@
       </p:grpSpPr>
       <p:sp>
         <p:nvSpPr>
-          <p:cNvPr id="2" name="标题 1">
-            <a:extLst>
-              <a:ext uri="{FF2B5EF4-FFF2-40B4-BE49-F238E27FC236}">
-                <a16:creationId xmlns:a16="http://schemas.microsoft.com/office/drawing/2014/main" id="{3DD5D4D2-7BCB-49AB-B379-F13F7D4DD788}"/>
-              </a:ext>
-            </a:extLst>
-          </p:cNvPr>
+          <p:cNvPr id="2" name="标题 1"/>
           <p:cNvSpPr>
             <a:spLocks noGrp="1"/>
           </p:cNvSpPr>
@@ -12913,13 +12485,7 @@
       </p:sp>
       <p:sp>
         <p:nvSpPr>
-          <p:cNvPr id="3" name="内容占位符 2">
-            <a:extLst>
-              <a:ext uri="{FF2B5EF4-FFF2-40B4-BE49-F238E27FC236}">
-                <a16:creationId xmlns:a16="http://schemas.microsoft.com/office/drawing/2014/main" id="{A17DE88B-B0FA-45F7-9BD7-5A7EFCC06475}"/>
-              </a:ext>
-            </a:extLst>
-          </p:cNvPr>
+          <p:cNvPr id="3" name="内容占位符 2"/>
           <p:cNvSpPr>
             <a:spLocks noGrp="1"/>
           </p:cNvSpPr>
@@ -12941,12 +12507,14 @@
               <a:rPr lang="zh-CN" altLang="zh-CN" sz="2800" dirty="0"/>
               <a:t>有一群人，打乒乓球比赛，两两捉对撕杀，每两个人之间最多打一场比赛。</a:t>
             </a:r>
+            <a:endParaRPr lang="zh-CN" altLang="zh-CN" sz="2800" dirty="0"/>
           </a:p>
           <a:p>
             <a:r>
               <a:rPr lang="zh-CN" altLang="zh-CN" sz="2800" dirty="0"/>
               <a:t>球赛的规则如下：</a:t>
             </a:r>
+            <a:endParaRPr lang="zh-CN" altLang="zh-CN" sz="2800" dirty="0"/>
           </a:p>
           <a:p>
             <a:r>
@@ -13017,6 +12585,7 @@
               <a:rPr lang="zh-CN" altLang="zh-CN" sz="2800" dirty="0"/>
               <a:t>。</a:t>
             </a:r>
+            <a:endParaRPr lang="zh-CN" altLang="zh-CN" sz="2800" dirty="0"/>
           </a:p>
           <a:p>
             <a:r>
@@ -13095,6 +12664,7 @@
               <a:rPr lang="zh-CN" altLang="zh-CN" sz="2800" dirty="0"/>
               <a:t>三者都不可能成为冠军。</a:t>
             </a:r>
+            <a:endParaRPr lang="zh-CN" altLang="zh-CN" sz="2800" dirty="0"/>
           </a:p>
           <a:p>
             <a:r>
@@ -13107,13 +12677,7 @@
       </p:sp>
       <p:sp>
         <p:nvSpPr>
-          <p:cNvPr id="4" name="页脚占位符 3">
-            <a:extLst>
-              <a:ext uri="{FF2B5EF4-FFF2-40B4-BE49-F238E27FC236}">
-                <a16:creationId xmlns:a16="http://schemas.microsoft.com/office/drawing/2014/main" id="{61D7A13B-9301-4509-A466-ED7548734083}"/>
-              </a:ext>
-            </a:extLst>
-          </p:cNvPr>
+          <p:cNvPr id="4" name="页脚占位符 3"/>
           <p:cNvSpPr>
             <a:spLocks noGrp="1"/>
           </p:cNvSpPr>
@@ -13138,11 +12702,6 @@
         </p:txBody>
       </p:sp>
     </p:spTree>
-    <p:extLst>
-      <p:ext uri="{BB962C8B-B14F-4D97-AF65-F5344CB8AC3E}">
-        <p14:creationId xmlns:p14="http://schemas.microsoft.com/office/powerpoint/2010/main" val="1335232331"/>
-      </p:ext>
-    </p:extLst>
   </p:cSld>
   <p:clrMapOvr>
     <a:masterClrMapping/>
@@ -13169,13 +12728,7 @@
       </p:grpSpPr>
       <p:sp>
         <p:nvSpPr>
-          <p:cNvPr id="3" name="内容占位符 2">
-            <a:extLst>
-              <a:ext uri="{FF2B5EF4-FFF2-40B4-BE49-F238E27FC236}">
-                <a16:creationId xmlns:a16="http://schemas.microsoft.com/office/drawing/2014/main" id="{4CF688A6-D6ED-47DA-AE03-9DE8490C5FCD}"/>
-              </a:ext>
-            </a:extLst>
-          </p:cNvPr>
+          <p:cNvPr id="3" name="内容占位符 2"/>
           <p:cNvSpPr>
             <a:spLocks noGrp="1"/>
           </p:cNvSpPr>
@@ -13254,6 +12807,7 @@
               <a:rPr lang="zh-CN" altLang="zh-CN" sz="2000" dirty="0"/>
               <a:t>定义集合</a:t>
             </a:r>
+            <a:endParaRPr lang="zh-CN" altLang="zh-CN" sz="2000" dirty="0"/>
           </a:p>
           <a:p>
             <a:pPr marL="0" indent="0">
@@ -13601,13 +13155,7 @@
       </p:sp>
       <p:sp>
         <p:nvSpPr>
-          <p:cNvPr id="4" name="页脚占位符 3">
-            <a:extLst>
-              <a:ext uri="{FF2B5EF4-FFF2-40B4-BE49-F238E27FC236}">
-                <a16:creationId xmlns:a16="http://schemas.microsoft.com/office/drawing/2014/main" id="{3674780C-A064-4F52-80B9-C1C827C3E34A}"/>
-              </a:ext>
-            </a:extLst>
-          </p:cNvPr>
+          <p:cNvPr id="4" name="页脚占位符 3"/>
           <p:cNvSpPr>
             <a:spLocks noGrp="1"/>
           </p:cNvSpPr>
@@ -13632,11 +13180,6 @@
         </p:txBody>
       </p:sp>
     </p:spTree>
-    <p:extLst>
-      <p:ext uri="{BB962C8B-B14F-4D97-AF65-F5344CB8AC3E}">
-        <p14:creationId xmlns:p14="http://schemas.microsoft.com/office/powerpoint/2010/main" val="1573994778"/>
-      </p:ext>
-    </p:extLst>
   </p:cSld>
   <p:clrMapOvr>
     <a:masterClrMapping/>
@@ -13663,13 +13206,7 @@
       </p:grpSpPr>
       <p:sp>
         <p:nvSpPr>
-          <p:cNvPr id="2" name="标题 1">
-            <a:extLst>
-              <a:ext uri="{FF2B5EF4-FFF2-40B4-BE49-F238E27FC236}">
-                <a16:creationId xmlns:a16="http://schemas.microsoft.com/office/drawing/2014/main" id="{26A3E86C-9226-40BA-BD5D-2E70C8606F6B}"/>
-              </a:ext>
-            </a:extLst>
-          </p:cNvPr>
+          <p:cNvPr id="2" name="标题 1"/>
           <p:cNvSpPr>
             <a:spLocks noGrp="1"/>
           </p:cNvSpPr>
@@ -13704,13 +13241,7 @@
       </p:sp>
       <p:sp>
         <p:nvSpPr>
-          <p:cNvPr id="3" name="内容占位符 2">
-            <a:extLst>
-              <a:ext uri="{FF2B5EF4-FFF2-40B4-BE49-F238E27FC236}">
-                <a16:creationId xmlns:a16="http://schemas.microsoft.com/office/drawing/2014/main" id="{926E4926-ED82-46BE-8141-1B25EF43647F}"/>
-              </a:ext>
-            </a:extLst>
-          </p:cNvPr>
+          <p:cNvPr id="3" name="内容占位符 2"/>
           <p:cNvSpPr>
             <a:spLocks noGrp="1"/>
           </p:cNvSpPr>
@@ -13773,6 +13304,7 @@
               <a:rPr lang="zh-CN" altLang="zh-CN" dirty="0"/>
               <a:t>用平衡二叉搜索树来存储和访问。</a:t>
             </a:r>
+            <a:endParaRPr lang="zh-CN" altLang="zh-CN" dirty="0"/>
           </a:p>
           <a:p>
             <a:endParaRPr lang="zh-CN" altLang="en-US" dirty="0"/>
@@ -13781,13 +13313,7 @@
       </p:sp>
       <p:sp>
         <p:nvSpPr>
-          <p:cNvPr id="4" name="页脚占位符 3">
-            <a:extLst>
-              <a:ext uri="{FF2B5EF4-FFF2-40B4-BE49-F238E27FC236}">
-                <a16:creationId xmlns:a16="http://schemas.microsoft.com/office/drawing/2014/main" id="{5618BA5B-AF38-41C5-A9C3-638C2807743A}"/>
-              </a:ext>
-            </a:extLst>
-          </p:cNvPr>
+          <p:cNvPr id="4" name="页脚占位符 3"/>
           <p:cNvSpPr>
             <a:spLocks noGrp="1"/>
           </p:cNvSpPr>
@@ -13812,11 +13338,6 @@
         </p:txBody>
       </p:sp>
     </p:spTree>
-    <p:extLst>
-      <p:ext uri="{BB962C8B-B14F-4D97-AF65-F5344CB8AC3E}">
-        <p14:creationId xmlns:p14="http://schemas.microsoft.com/office/powerpoint/2010/main" val="2119210350"/>
-      </p:ext>
-    </p:extLst>
   </p:cSld>
   <p:clrMapOvr>
     <a:masterClrMapping/>
@@ -13843,13 +13364,7 @@
       </p:grpSpPr>
       <p:sp>
         <p:nvSpPr>
-          <p:cNvPr id="2" name="标题 1">
-            <a:extLst>
-              <a:ext uri="{FF2B5EF4-FFF2-40B4-BE49-F238E27FC236}">
-                <a16:creationId xmlns:a16="http://schemas.microsoft.com/office/drawing/2014/main" id="{519F724B-1976-4C18-93F6-252F1B0CBA43}"/>
-              </a:ext>
-            </a:extLst>
-          </p:cNvPr>
+          <p:cNvPr id="2" name="标题 1"/>
           <p:cNvSpPr>
             <a:spLocks noGrp="1"/>
           </p:cNvSpPr>
@@ -13885,13 +13400,7 @@
       </p:sp>
       <p:sp>
         <p:nvSpPr>
-          <p:cNvPr id="3" name="内容占位符 2">
-            <a:extLst>
-              <a:ext uri="{FF2B5EF4-FFF2-40B4-BE49-F238E27FC236}">
-                <a16:creationId xmlns:a16="http://schemas.microsoft.com/office/drawing/2014/main" id="{EABEC2D1-AC9B-47BD-9BFC-10FD819B3F75}"/>
-              </a:ext>
-            </a:extLst>
-          </p:cNvPr>
+          <p:cNvPr id="3" name="内容占位符 2"/>
           <p:cNvSpPr>
             <a:spLocks noGrp="1"/>
           </p:cNvSpPr>
@@ -13960,6 +13469,7 @@
               <a:rPr lang="zh-CN" altLang="zh-CN" dirty="0"/>
               <a:t>。</a:t>
             </a:r>
+            <a:endParaRPr lang="zh-CN" altLang="zh-CN" dirty="0"/>
           </a:p>
           <a:p>
             <a:r>
@@ -14026,6 +13536,7 @@
               <a:rPr lang="zh-CN" altLang="zh-CN" sz="2800" dirty="0"/>
               <a:t>，效率很低。</a:t>
             </a:r>
+            <a:endParaRPr lang="zh-CN" altLang="zh-CN" sz="2800" dirty="0"/>
           </a:p>
           <a:p>
             <a:endParaRPr lang="en-US" altLang="zh-CN" sz="1800" dirty="0"/>
@@ -14079,6 +13590,7 @@
               <a:rPr lang="zh-CN" altLang="zh-CN" dirty="0"/>
               <a:t>。</a:t>
             </a:r>
+            <a:endParaRPr lang="zh-CN" altLang="zh-CN" dirty="0"/>
           </a:p>
           <a:p>
             <a:endParaRPr lang="zh-CN" altLang="en-US" dirty="0"/>
@@ -14087,13 +13599,7 @@
       </p:sp>
       <p:sp>
         <p:nvSpPr>
-          <p:cNvPr id="4" name="页脚占位符 3">
-            <a:extLst>
-              <a:ext uri="{FF2B5EF4-FFF2-40B4-BE49-F238E27FC236}">
-                <a16:creationId xmlns:a16="http://schemas.microsoft.com/office/drawing/2014/main" id="{84A9C0B0-72FD-45F0-A351-00E95EB8CF62}"/>
-              </a:ext>
-            </a:extLst>
-          </p:cNvPr>
+          <p:cNvPr id="4" name="页脚占位符 3"/>
           <p:cNvSpPr>
             <a:spLocks noGrp="1"/>
           </p:cNvSpPr>
@@ -14118,11 +13624,6 @@
         </p:txBody>
       </p:sp>
     </p:spTree>
-    <p:extLst>
-      <p:ext uri="{BB962C8B-B14F-4D97-AF65-F5344CB8AC3E}">
-        <p14:creationId xmlns:p14="http://schemas.microsoft.com/office/powerpoint/2010/main" val="2430150159"/>
-      </p:ext>
-    </p:extLst>
   </p:cSld>
   <p:clrMapOvr>
     <a:masterClrMapping/>
@@ -14149,13 +13650,7 @@
       </p:grpSpPr>
       <p:sp>
         <p:nvSpPr>
-          <p:cNvPr id="2" name="标题 1">
-            <a:extLst>
-              <a:ext uri="{FF2B5EF4-FFF2-40B4-BE49-F238E27FC236}">
-                <a16:creationId xmlns:a16="http://schemas.microsoft.com/office/drawing/2014/main" id="{D554A030-A3E7-4DDF-8CAC-4F6D52F31EAC}"/>
-              </a:ext>
-            </a:extLst>
-          </p:cNvPr>
+          <p:cNvPr id="2" name="标题 1"/>
           <p:cNvSpPr>
             <a:spLocks noGrp="1"/>
           </p:cNvSpPr>
@@ -14192,18 +13687,17 @@
               </a:rPr>
               <a:t>实现</a:t>
             </a:r>
+            <a:endParaRPr lang="zh-CN" altLang="en-US" sz="3600" dirty="0">
+              <a:solidFill>
+                <a:srgbClr val="0070C0"/>
+              </a:solidFill>
+            </a:endParaRPr>
           </a:p>
         </p:txBody>
       </p:sp>
       <p:sp>
         <p:nvSpPr>
-          <p:cNvPr id="3" name="内容占位符 2">
-            <a:extLst>
-              <a:ext uri="{FF2B5EF4-FFF2-40B4-BE49-F238E27FC236}">
-                <a16:creationId xmlns:a16="http://schemas.microsoft.com/office/drawing/2014/main" id="{81E72A22-933F-417B-8A0A-7031E645CBEE}"/>
-              </a:ext>
-            </a:extLst>
-          </p:cNvPr>
+          <p:cNvPr id="3" name="内容占位符 2"/>
           <p:cNvSpPr>
             <a:spLocks noGrp="1"/>
           </p:cNvSpPr>
@@ -14255,6 +13749,7 @@
               <a:rPr lang="zh-CN" altLang="zh-CN" dirty="0"/>
               <a:t>。</a:t>
             </a:r>
+            <a:endParaRPr lang="zh-CN" altLang="zh-CN" dirty="0"/>
           </a:p>
           <a:p>
             <a:pPr marL="0" indent="0">
@@ -14288,6 +13783,7 @@
               <a:rPr lang="zh-CN" altLang="zh-CN" dirty="0"/>
               <a:t>当成普通数组的下标来使用。</a:t>
             </a:r>
+            <a:endParaRPr lang="zh-CN" altLang="zh-CN" dirty="0"/>
           </a:p>
           <a:p>
             <a:pPr marL="0" indent="0">
@@ -14321,6 +13817,7 @@
               <a:rPr lang="zh-CN" altLang="zh-CN" dirty="0"/>
               <a:t>，不用再去搜索所有的姓名。</a:t>
             </a:r>
+            <a:endParaRPr lang="zh-CN" altLang="zh-CN" dirty="0"/>
           </a:p>
           <a:p>
             <a:pPr marL="0" indent="0">
@@ -14332,13 +13829,7 @@
       </p:sp>
       <p:sp>
         <p:nvSpPr>
-          <p:cNvPr id="4" name="页脚占位符 3">
-            <a:extLst>
-              <a:ext uri="{FF2B5EF4-FFF2-40B4-BE49-F238E27FC236}">
-                <a16:creationId xmlns:a16="http://schemas.microsoft.com/office/drawing/2014/main" id="{B29C3531-B718-4447-B959-BAE91412CA9F}"/>
-              </a:ext>
-            </a:extLst>
-          </p:cNvPr>
+          <p:cNvPr id="4" name="页脚占位符 3"/>
           <p:cNvSpPr>
             <a:spLocks noGrp="1"/>
           </p:cNvSpPr>
@@ -14363,11 +13854,6 @@
         </p:txBody>
       </p:sp>
     </p:spTree>
-    <p:extLst>
-      <p:ext uri="{BB962C8B-B14F-4D97-AF65-F5344CB8AC3E}">
-        <p14:creationId xmlns:p14="http://schemas.microsoft.com/office/powerpoint/2010/main" val="2595774107"/>
-      </p:ext>
-    </p:extLst>
   </p:cSld>
   <p:clrMapOvr>
     <a:masterClrMapping/>
@@ -14394,13 +13880,7 @@
       </p:grpSpPr>
       <p:sp>
         <p:nvSpPr>
-          <p:cNvPr id="2" name="标题 1">
-            <a:extLst>
-              <a:ext uri="{FF2B5EF4-FFF2-40B4-BE49-F238E27FC236}">
-                <a16:creationId xmlns:a16="http://schemas.microsoft.com/office/drawing/2014/main" id="{11D8B587-BC4D-4444-B7B4-4B25782CDCFB}"/>
-              </a:ext>
-            </a:extLst>
-          </p:cNvPr>
+          <p:cNvPr id="2" name="标题 1"/>
           <p:cNvSpPr>
             <a:spLocks noGrp="1"/>
           </p:cNvSpPr>
@@ -14447,13 +13927,7 @@
       </p:sp>
       <p:sp>
         <p:nvSpPr>
-          <p:cNvPr id="3" name="内容占位符 2">
-            <a:extLst>
-              <a:ext uri="{FF2B5EF4-FFF2-40B4-BE49-F238E27FC236}">
-                <a16:creationId xmlns:a16="http://schemas.microsoft.com/office/drawing/2014/main" id="{E4C12D40-B816-4356-9F3F-D12E361E0169}"/>
-              </a:ext>
-            </a:extLst>
-          </p:cNvPr>
+          <p:cNvPr id="3" name="内容占位符 2"/>
           <p:cNvSpPr>
             <a:spLocks noGrp="1"/>
           </p:cNvSpPr>
@@ -14491,6 +13965,7 @@
               <a:rPr lang="zh-CN" altLang="zh-CN" sz="2400" dirty="0"/>
               <a:t>”的商店。由于春节快到了，所有商店的价格每天都在上涨。她想知道这家商店每天的价格排名。</a:t>
             </a:r>
+            <a:endParaRPr lang="zh-CN" altLang="zh-CN" sz="2400" dirty="0"/>
           </a:p>
           <a:p>
             <a:r>
@@ -14501,6 +13976,7 @@
               <a:rPr lang="zh-CN" altLang="zh-CN" sz="2400" dirty="0"/>
               <a:t>：</a:t>
             </a:r>
+            <a:endParaRPr lang="zh-CN" altLang="zh-CN" sz="2400" dirty="0"/>
           </a:p>
           <a:p>
             <a:pPr lvl="1"/>
@@ -14524,6 +14000,7 @@
               <a:rPr lang="zh-CN" altLang="zh-CN" sz="2000" dirty="0"/>
               <a:t>），代表商店的数量。</a:t>
             </a:r>
+            <a:endParaRPr lang="zh-CN" altLang="zh-CN" sz="2000" dirty="0"/>
           </a:p>
           <a:p>
             <a:pPr lvl="1"/>
@@ -14547,6 +14024,7 @@
               <a:rPr lang="zh-CN" altLang="zh-CN" sz="2000" dirty="0"/>
               <a:t>，只包含小写字母和大写字母）表示商店的名称。</a:t>
             </a:r>
+            <a:endParaRPr lang="zh-CN" altLang="zh-CN" sz="2000" dirty="0"/>
           </a:p>
           <a:p>
             <a:pPr lvl="1"/>
@@ -14570,6 +14048,7 @@
               <a:rPr lang="zh-CN" altLang="zh-CN" sz="2000" dirty="0"/>
               <a:t>），表示天数。</a:t>
             </a:r>
+            <a:endParaRPr lang="zh-CN" altLang="zh-CN" sz="2000" dirty="0"/>
           </a:p>
           <a:p>
             <a:pPr lvl="1"/>
@@ -14696,6 +14175,7 @@
               <a:rPr lang="zh-CN" altLang="zh-CN" sz="2000" dirty="0"/>
               <a:t>。</a:t>
             </a:r>
+            <a:endParaRPr lang="zh-CN" altLang="zh-CN" sz="2000" dirty="0"/>
           </a:p>
           <a:p>
             <a:endParaRPr lang="zh-CN" altLang="en-US" sz="2400" dirty="0"/>
@@ -14704,13 +14184,7 @@
       </p:sp>
       <p:sp>
         <p:nvSpPr>
-          <p:cNvPr id="4" name="页脚占位符 3">
-            <a:extLst>
-              <a:ext uri="{FF2B5EF4-FFF2-40B4-BE49-F238E27FC236}">
-                <a16:creationId xmlns:a16="http://schemas.microsoft.com/office/drawing/2014/main" id="{D65814FC-7B8D-4944-889D-83174C3EA23E}"/>
-              </a:ext>
-            </a:extLst>
-          </p:cNvPr>
+          <p:cNvPr id="4" name="页脚占位符 3"/>
           <p:cNvSpPr>
             <a:spLocks noGrp="1"/>
           </p:cNvSpPr>
@@ -14735,11 +14209,6 @@
         </p:txBody>
       </p:sp>
     </p:spTree>
-    <p:extLst>
-      <p:ext uri="{BB962C8B-B14F-4D97-AF65-F5344CB8AC3E}">
-        <p14:creationId xmlns:p14="http://schemas.microsoft.com/office/powerpoint/2010/main" val="552343465"/>
-      </p:ext>
-    </p:extLst>
   </p:cSld>
   <p:clrMapOvr>
     <a:masterClrMapping/>
@@ -14766,13 +14235,7 @@
       </p:grpSpPr>
       <p:sp>
         <p:nvSpPr>
-          <p:cNvPr id="3" name="内容占位符 2">
-            <a:extLst>
-              <a:ext uri="{FF2B5EF4-FFF2-40B4-BE49-F238E27FC236}">
-                <a16:creationId xmlns:a16="http://schemas.microsoft.com/office/drawing/2014/main" id="{54AFE619-1ED2-4FD8-A226-A5073F2678B0}"/>
-              </a:ext>
-            </a:extLst>
-          </p:cNvPr>
+          <p:cNvPr id="3" name="内容占位符 2"/>
           <p:cNvSpPr>
             <a:spLocks noGrp="1"/>
           </p:cNvSpPr>
@@ -14927,6 +14390,7 @@
               <a:rPr lang="zh-CN" altLang="zh-CN" sz="2000" dirty="0"/>
               <a:t>输入商店名字。实际上用不着处理</a:t>
             </a:r>
+            <a:endParaRPr lang="zh-CN" altLang="zh-CN" sz="2000" dirty="0"/>
           </a:p>
           <a:p>
             <a:pPr marL="0" indent="0">
@@ -15040,6 +14504,7 @@
               <a:rPr lang="zh-CN" altLang="zh-CN" sz="2000" dirty="0"/>
               <a:t>可以直接操作商店，加上价格</a:t>
             </a:r>
+            <a:endParaRPr lang="zh-CN" altLang="zh-CN" sz="2000" dirty="0"/>
           </a:p>
           <a:p>
             <a:pPr marL="0" indent="0">
@@ -15081,6 +14546,7 @@
               <a:rPr lang="zh-CN" altLang="zh-CN" sz="2000" dirty="0"/>
               <a:t>迭代器</a:t>
             </a:r>
+            <a:endParaRPr lang="zh-CN" altLang="zh-CN" sz="2000" dirty="0"/>
           </a:p>
           <a:p>
             <a:pPr marL="0" indent="0">
@@ -15136,6 +14602,7 @@
               <a:rPr lang="zh-CN" altLang="zh-CN" sz="2000" dirty="0"/>
               <a:t>比较价格</a:t>
             </a:r>
+            <a:endParaRPr lang="zh-CN" altLang="zh-CN" sz="2000" dirty="0"/>
           </a:p>
           <a:p>
             <a:pPr marL="0" indent="0">
@@ -15241,13 +14708,7 @@
       </p:sp>
       <p:sp>
         <p:nvSpPr>
-          <p:cNvPr id="4" name="页脚占位符 3">
-            <a:extLst>
-              <a:ext uri="{FF2B5EF4-FFF2-40B4-BE49-F238E27FC236}">
-                <a16:creationId xmlns:a16="http://schemas.microsoft.com/office/drawing/2014/main" id="{10027F89-69B6-4E78-A183-3B1CFB9C3B88}"/>
-              </a:ext>
-            </a:extLst>
-          </p:cNvPr>
+          <p:cNvPr id="4" name="页脚占位符 3"/>
           <p:cNvSpPr>
             <a:spLocks noGrp="1"/>
           </p:cNvSpPr>
@@ -15272,11 +14733,6 @@
         </p:txBody>
       </p:sp>
     </p:spTree>
-    <p:extLst>
-      <p:ext uri="{BB962C8B-B14F-4D97-AF65-F5344CB8AC3E}">
-        <p14:creationId xmlns:p14="http://schemas.microsoft.com/office/powerpoint/2010/main" val="120168812"/>
-      </p:ext>
-    </p:extLst>
   </p:cSld>
   <p:clrMapOvr>
     <a:masterClrMapping/>
@@ -15303,13 +14759,7 @@
       </p:grpSpPr>
       <p:sp>
         <p:nvSpPr>
-          <p:cNvPr id="2" name="标题 1">
-            <a:extLst>
-              <a:ext uri="{FF2B5EF4-FFF2-40B4-BE49-F238E27FC236}">
-                <a16:creationId xmlns:a16="http://schemas.microsoft.com/office/drawing/2014/main" id="{E39B1E35-D55F-4175-8DF8-E400FB791426}"/>
-              </a:ext>
-            </a:extLst>
-          </p:cNvPr>
+          <p:cNvPr id="2" name="标题 1"/>
           <p:cNvSpPr>
             <a:spLocks noGrp="1"/>
           </p:cNvSpPr>
@@ -15344,13 +14794,7 @@
       </p:sp>
       <p:sp>
         <p:nvSpPr>
-          <p:cNvPr id="3" name="内容占位符 2">
-            <a:extLst>
-              <a:ext uri="{FF2B5EF4-FFF2-40B4-BE49-F238E27FC236}">
-                <a16:creationId xmlns:a16="http://schemas.microsoft.com/office/drawing/2014/main" id="{124260E0-3F05-4983-A1B3-56EFA026B7FE}"/>
-              </a:ext>
-            </a:extLst>
-          </p:cNvPr>
+          <p:cNvPr id="3" name="内容占位符 2"/>
           <p:cNvSpPr>
             <a:spLocks noGrp="1"/>
           </p:cNvSpPr>
@@ -15390,6 +14834,7 @@
               <a:rPr lang="zh-CN" altLang="zh-CN" sz="2400" dirty="0"/>
               <a:t>定义有两种：</a:t>
             </a:r>
+            <a:endParaRPr lang="zh-CN" altLang="zh-CN" sz="2400" dirty="0"/>
           </a:p>
           <a:p>
             <a:pPr marL="457200" lvl="1" indent="0">
@@ -15448,6 +14893,7 @@
               <a:rPr lang="zh-CN" altLang="zh-CN" sz="2400" dirty="0"/>
               <a:t>返回值：无。</a:t>
             </a:r>
+            <a:endParaRPr lang="zh-CN" altLang="zh-CN" sz="2400" dirty="0"/>
           </a:p>
           <a:p>
             <a:r>
@@ -15470,6 +14916,7 @@
               <a:rPr lang="zh-CN" altLang="zh-CN" sz="2400" dirty="0"/>
               <a:t>。</a:t>
             </a:r>
+            <a:endParaRPr lang="zh-CN" altLang="zh-CN" sz="2400" dirty="0"/>
           </a:p>
           <a:p>
             <a:endParaRPr lang="en-US" altLang="zh-CN" sz="2400" dirty="0"/>
@@ -15503,6 +14950,7 @@
               <a:rPr lang="zh-CN" altLang="zh-CN" sz="2400" dirty="0"/>
               <a:t>。</a:t>
             </a:r>
+            <a:endParaRPr lang="zh-CN" altLang="zh-CN" sz="2400" dirty="0"/>
           </a:p>
           <a:p>
             <a:endParaRPr lang="zh-CN" altLang="en-US" sz="2400" dirty="0"/>
@@ -15511,13 +14959,7 @@
       </p:sp>
       <p:sp>
         <p:nvSpPr>
-          <p:cNvPr id="4" name="页脚占位符 3">
-            <a:extLst>
-              <a:ext uri="{FF2B5EF4-FFF2-40B4-BE49-F238E27FC236}">
-                <a16:creationId xmlns:a16="http://schemas.microsoft.com/office/drawing/2014/main" id="{F7AA87AF-4C52-46F3-B3C4-CE0C4328A1E1}"/>
-              </a:ext>
-            </a:extLst>
-          </p:cNvPr>
+          <p:cNvPr id="4" name="页脚占位符 3"/>
           <p:cNvSpPr>
             <a:spLocks noGrp="1"/>
           </p:cNvSpPr>
@@ -15542,11 +14984,6 @@
         </p:txBody>
       </p:sp>
     </p:spTree>
-    <p:extLst>
-      <p:ext uri="{BB962C8B-B14F-4D97-AF65-F5344CB8AC3E}">
-        <p14:creationId xmlns:p14="http://schemas.microsoft.com/office/powerpoint/2010/main" val="2992449061"/>
-      </p:ext>
-    </p:extLst>
   </p:cSld>
   <p:clrMapOvr>
     <a:masterClrMapping/>
@@ -15573,13 +15010,7 @@
       </p:grpSpPr>
       <p:sp>
         <p:nvSpPr>
-          <p:cNvPr id="3" name="内容占位符 2">
-            <a:extLst>
-              <a:ext uri="{FF2B5EF4-FFF2-40B4-BE49-F238E27FC236}">
-                <a16:creationId xmlns:a16="http://schemas.microsoft.com/office/drawing/2014/main" id="{F3F3DA36-03D4-41E3-A21D-9FF804487F37}"/>
-              </a:ext>
-            </a:extLst>
-          </p:cNvPr>
+          <p:cNvPr id="3" name="内容占位符 2"/>
           <p:cNvSpPr>
             <a:spLocks noGrp="1"/>
           </p:cNvSpPr>
@@ -15662,6 +15093,7 @@
               <a:rPr lang="zh-CN" altLang="zh-CN" dirty="0"/>
               <a:t>可以不写。</a:t>
             </a:r>
+            <a:endParaRPr lang="zh-CN" altLang="zh-CN" dirty="0"/>
           </a:p>
           <a:p>
             <a:endParaRPr lang="zh-CN" altLang="en-US" dirty="0"/>
@@ -15670,13 +15102,7 @@
       </p:sp>
       <p:sp>
         <p:nvSpPr>
-          <p:cNvPr id="4" name="页脚占位符 3">
-            <a:extLst>
-              <a:ext uri="{FF2B5EF4-FFF2-40B4-BE49-F238E27FC236}">
-                <a16:creationId xmlns:a16="http://schemas.microsoft.com/office/drawing/2014/main" id="{90E00EF9-E2BF-48AF-B57A-A37AB1E3642D}"/>
-              </a:ext>
-            </a:extLst>
-          </p:cNvPr>
+          <p:cNvPr id="4" name="页脚占位符 3"/>
           <p:cNvSpPr>
             <a:spLocks noGrp="1"/>
           </p:cNvSpPr>
@@ -15701,11 +15127,6 @@
         </p:txBody>
       </p:sp>
     </p:spTree>
-    <p:extLst>
-      <p:ext uri="{BB962C8B-B14F-4D97-AF65-F5344CB8AC3E}">
-        <p14:creationId xmlns:p14="http://schemas.microsoft.com/office/powerpoint/2010/main" val="400789695"/>
-      </p:ext>
-    </p:extLst>
   </p:cSld>
   <p:clrMapOvr>
     <a:masterClrMapping/>
@@ -15732,13 +15153,7 @@
       </p:grpSpPr>
       <p:sp>
         <p:nvSpPr>
-          <p:cNvPr id="3" name="内容占位符 2">
-            <a:extLst>
-              <a:ext uri="{FF2B5EF4-FFF2-40B4-BE49-F238E27FC236}">
-                <a16:creationId xmlns:a16="http://schemas.microsoft.com/office/drawing/2014/main" id="{D7DF6107-E8D2-4147-85C6-C8C55AC9B08E}"/>
-              </a:ext>
-            </a:extLst>
-          </p:cNvPr>
+          <p:cNvPr id="3" name="内容占位符 2"/>
           <p:cNvSpPr>
             <a:spLocks noGrp="1"/>
           </p:cNvSpPr>
@@ -15827,6 +15242,7 @@
               <a:rPr lang="zh-CN" altLang="zh-CN" sz="2400" dirty="0"/>
               <a:t>小于</a:t>
             </a:r>
+            <a:endParaRPr lang="zh-CN" altLang="zh-CN" sz="2400" dirty="0"/>
           </a:p>
           <a:p>
             <a:pPr marL="0" indent="0">
@@ -15872,6 +15288,7 @@
               <a:rPr lang="zh-CN" altLang="zh-CN" sz="2400" dirty="0"/>
               <a:t>大于</a:t>
             </a:r>
+            <a:endParaRPr lang="zh-CN" altLang="zh-CN" sz="2400" dirty="0"/>
           </a:p>
           <a:p>
             <a:pPr marL="0" indent="0">
@@ -16063,6 +15480,7 @@
               <a:rPr lang="en-US" altLang="zh-CN" sz="2400" dirty="0"/>
               <a:t>); </a:t>
             </a:r>
+            <a:endParaRPr lang="en-US" altLang="zh-CN" sz="2400" dirty="0"/>
           </a:p>
           <a:p>
             <a:pPr marL="0" indent="0">
@@ -16126,6 +15544,7 @@
               <a:rPr lang="en-US" altLang="zh-CN" sz="2000" dirty="0"/>
               <a:t>&gt;());</a:t>
             </a:r>
+            <a:endParaRPr lang="en-US" altLang="zh-CN" sz="2000" dirty="0"/>
           </a:p>
           <a:p>
             <a:pPr marL="0" indent="0">
@@ -16301,13 +15720,7 @@
       </p:sp>
       <p:sp>
         <p:nvSpPr>
-          <p:cNvPr id="4" name="页脚占位符 3">
-            <a:extLst>
-              <a:ext uri="{FF2B5EF4-FFF2-40B4-BE49-F238E27FC236}">
-                <a16:creationId xmlns:a16="http://schemas.microsoft.com/office/drawing/2014/main" id="{066DF16D-AB7A-48B1-A898-3CE9A41EF710}"/>
-              </a:ext>
-            </a:extLst>
-          </p:cNvPr>
+          <p:cNvPr id="4" name="页脚占位符 3"/>
           <p:cNvSpPr>
             <a:spLocks noGrp="1"/>
           </p:cNvSpPr>
@@ -16332,11 +15745,6 @@
         </p:txBody>
       </p:sp>
     </p:spTree>
-    <p:extLst>
-      <p:ext uri="{BB962C8B-B14F-4D97-AF65-F5344CB8AC3E}">
-        <p14:creationId xmlns:p14="http://schemas.microsoft.com/office/powerpoint/2010/main" val="4080359285"/>
-      </p:ext>
-    </p:extLst>
   </p:cSld>
   <p:clrMapOvr>
     <a:masterClrMapping/>
@@ -16393,6 +15801,11 @@
               </a:rPr>
               <a:t>容器</a:t>
             </a:r>
+            <a:endParaRPr lang="zh-CN" altLang="en-US" sz="4000" dirty="0">
+              <a:solidFill>
+                <a:srgbClr val="FF0000"/>
+              </a:solidFill>
+            </a:endParaRPr>
           </a:p>
         </p:txBody>
       </p:sp>
@@ -16521,13 +15934,7 @@
       </p:sp>
       <p:sp>
         <p:nvSpPr>
-          <p:cNvPr id="5" name="页脚占位符 4">
-            <a:extLst>
-              <a:ext uri="{FF2B5EF4-FFF2-40B4-BE49-F238E27FC236}">
-                <a16:creationId xmlns:a16="http://schemas.microsoft.com/office/drawing/2014/main" id="{308BD2AF-EF79-4C70-9506-819F4C7F2715}"/>
-              </a:ext>
-            </a:extLst>
-          </p:cNvPr>
+          <p:cNvPr id="5" name="页脚占位符 4"/>
           <p:cNvSpPr>
             <a:spLocks noGrp="1"/>
           </p:cNvSpPr>
@@ -16553,20 +15960,14 @@
       </p:sp>
       <p:pic>
         <p:nvPicPr>
-          <p:cNvPr id="23554" name="Picture 2" descr="https://ss1.bdstatic.com/70cFvXSh_Q1YnxGkpoWK1HF6hhy/it/u=3219596362,319469403&amp;fm=26&amp;gp=0.jpg">
-            <a:extLst>
-              <a:ext uri="{FF2B5EF4-FFF2-40B4-BE49-F238E27FC236}">
-                <a16:creationId xmlns:a16="http://schemas.microsoft.com/office/drawing/2014/main" id="{0A4BFBD2-3C3F-4F83-8D2F-65205382485A}"/>
-              </a:ext>
-            </a:extLst>
-          </p:cNvPr>
+          <p:cNvPr id="23554" name="Picture 2" descr="https://ss1.bdstatic.com/70cFvXSh_Q1YnxGkpoWK1HF6hhy/it/u=3219596362,319469403&amp;fm=26&amp;gp=0.jpg"/>
           <p:cNvPicPr>
             <a:picLocks noChangeAspect="1" noChangeArrowheads="1"/>
           </p:cNvPicPr>
           <p:nvPr/>
         </p:nvPicPr>
         <p:blipFill>
-          <a:blip r:embed="rId2">
+          <a:blip r:embed="rId1">
             <a:extLst>
               <a:ext uri="{28A0092B-C50C-407E-A947-70E740481C1C}">
                 <a14:useLocalDpi xmlns:a14="http://schemas.microsoft.com/office/drawing/2010/main" val="0"/>
@@ -16625,13 +16026,7 @@
       </p:grpSpPr>
       <p:sp>
         <p:nvSpPr>
-          <p:cNvPr id="2" name="标题 1">
-            <a:extLst>
-              <a:ext uri="{FF2B5EF4-FFF2-40B4-BE49-F238E27FC236}">
-                <a16:creationId xmlns:a16="http://schemas.microsoft.com/office/drawing/2014/main" id="{C5E1B6A3-76C3-4039-ABA4-141C65E9C739}"/>
-              </a:ext>
-            </a:extLst>
-          </p:cNvPr>
+          <p:cNvPr id="2" name="标题 1"/>
           <p:cNvSpPr>
             <a:spLocks noGrp="1"/>
           </p:cNvSpPr>
@@ -16657,18 +16052,17 @@
               </a:rPr>
               <a:t>对结构体变量排序</a:t>
             </a:r>
+            <a:endParaRPr lang="zh-CN" altLang="en-US" sz="3600" dirty="0">
+              <a:solidFill>
+                <a:srgbClr val="0070C0"/>
+              </a:solidFill>
+            </a:endParaRPr>
           </a:p>
         </p:txBody>
       </p:sp>
       <p:sp>
         <p:nvSpPr>
-          <p:cNvPr id="3" name="内容占位符 2">
-            <a:extLst>
-              <a:ext uri="{FF2B5EF4-FFF2-40B4-BE49-F238E27FC236}">
-                <a16:creationId xmlns:a16="http://schemas.microsoft.com/office/drawing/2014/main" id="{ABF82459-CAB7-4FBF-BAC5-3F5C94C445B1}"/>
-              </a:ext>
-            </a:extLst>
-          </p:cNvPr>
+          <p:cNvPr id="3" name="内容占位符 2"/>
           <p:cNvSpPr>
             <a:spLocks noGrp="1"/>
           </p:cNvSpPr>
@@ -16745,6 +16139,7 @@
               <a:rPr lang="zh-CN" altLang="zh-CN" sz="2000" dirty="0"/>
               <a:t>按分数从大到小排序</a:t>
             </a:r>
+            <a:endParaRPr lang="zh-CN" altLang="zh-CN" sz="2000" dirty="0"/>
           </a:p>
           <a:p>
             <a:pPr marL="0" indent="0">
@@ -16804,6 +16199,7 @@
               <a:rPr lang="zh-CN" altLang="zh-CN" sz="2000" dirty="0"/>
               <a:t>里</a:t>
             </a:r>
+            <a:endParaRPr lang="zh-CN" altLang="zh-CN" sz="2000" dirty="0"/>
           </a:p>
           <a:p>
             <a:pPr marL="0" indent="0">
@@ -16843,6 +16239,7 @@
               <a:rPr lang="zh-CN" altLang="zh-CN" sz="2000" dirty="0"/>
               <a:t>按分数排序</a:t>
             </a:r>
+            <a:endParaRPr lang="zh-CN" altLang="zh-CN" sz="2000" dirty="0"/>
           </a:p>
           <a:p>
             <a:pPr marL="0" indent="0">
@@ -16854,13 +16251,7 @@
       </p:sp>
       <p:sp>
         <p:nvSpPr>
-          <p:cNvPr id="4" name="页脚占位符 3">
-            <a:extLst>
-              <a:ext uri="{FF2B5EF4-FFF2-40B4-BE49-F238E27FC236}">
-                <a16:creationId xmlns:a16="http://schemas.microsoft.com/office/drawing/2014/main" id="{F7B94354-8C73-45D0-9CB5-17F81A16BDE6}"/>
-              </a:ext>
-            </a:extLst>
-          </p:cNvPr>
+          <p:cNvPr id="4" name="页脚占位符 3"/>
           <p:cNvSpPr>
             <a:spLocks noGrp="1"/>
           </p:cNvSpPr>
@@ -16885,11 +16276,6 @@
         </p:txBody>
       </p:sp>
     </p:spTree>
-    <p:extLst>
-      <p:ext uri="{BB962C8B-B14F-4D97-AF65-F5344CB8AC3E}">
-        <p14:creationId xmlns:p14="http://schemas.microsoft.com/office/powerpoint/2010/main" val="4068304899"/>
-      </p:ext>
-    </p:extLst>
   </p:cSld>
   <p:clrMapOvr>
     <a:masterClrMapping/>
@@ -16916,13 +16302,7 @@
       </p:grpSpPr>
       <p:sp>
         <p:nvSpPr>
-          <p:cNvPr id="2" name="标题 1">
-            <a:extLst>
-              <a:ext uri="{FF2B5EF4-FFF2-40B4-BE49-F238E27FC236}">
-                <a16:creationId xmlns:a16="http://schemas.microsoft.com/office/drawing/2014/main" id="{EF109D75-1E1A-4082-82F0-C77E5BAC4E52}"/>
-              </a:ext>
-            </a:extLst>
-          </p:cNvPr>
+          <p:cNvPr id="2" name="标题 1"/>
           <p:cNvSpPr>
             <a:spLocks noGrp="1"/>
           </p:cNvSpPr>
@@ -16957,13 +16337,7 @@
       </p:sp>
       <p:sp>
         <p:nvSpPr>
-          <p:cNvPr id="3" name="内容占位符 2">
-            <a:extLst>
-              <a:ext uri="{FF2B5EF4-FFF2-40B4-BE49-F238E27FC236}">
-                <a16:creationId xmlns:a16="http://schemas.microsoft.com/office/drawing/2014/main" id="{0817E319-4587-4274-B747-A50D38722B6E}"/>
-              </a:ext>
-            </a:extLst>
-          </p:cNvPr>
+          <p:cNvPr id="3" name="内容占位符 2"/>
           <p:cNvSpPr>
             <a:spLocks noGrp="1"/>
           </p:cNvSpPr>
@@ -17086,18 +16460,13 @@
               <a:rPr lang="zh-CN" altLang="zh-CN" sz="2800" dirty="0"/>
               <a:t>。</a:t>
             </a:r>
+            <a:endParaRPr lang="zh-CN" altLang="zh-CN" sz="2800" dirty="0"/>
           </a:p>
         </p:txBody>
       </p:sp>
       <p:sp>
         <p:nvSpPr>
-          <p:cNvPr id="4" name="页脚占位符 3">
-            <a:extLst>
-              <a:ext uri="{FF2B5EF4-FFF2-40B4-BE49-F238E27FC236}">
-                <a16:creationId xmlns:a16="http://schemas.microsoft.com/office/drawing/2014/main" id="{C5FD9065-C24D-45C7-9BDE-E26D8DCCABD9}"/>
-              </a:ext>
-            </a:extLst>
-          </p:cNvPr>
+          <p:cNvPr id="4" name="页脚占位符 3"/>
           <p:cNvSpPr>
             <a:spLocks noGrp="1"/>
           </p:cNvSpPr>
@@ -17122,11 +16491,6 @@
         </p:txBody>
       </p:sp>
     </p:spTree>
-    <p:extLst>
-      <p:ext uri="{BB962C8B-B14F-4D97-AF65-F5344CB8AC3E}">
-        <p14:creationId xmlns:p14="http://schemas.microsoft.com/office/powerpoint/2010/main" val="4181987751"/>
-      </p:ext>
-    </p:extLst>
   </p:cSld>
   <p:clrMapOvr>
     <a:masterClrMapping/>
@@ -17153,13 +16517,7 @@
       </p:grpSpPr>
       <p:sp>
         <p:nvSpPr>
-          <p:cNvPr id="3" name="内容占位符 2">
-            <a:extLst>
-              <a:ext uri="{FF2B5EF4-FFF2-40B4-BE49-F238E27FC236}">
-                <a16:creationId xmlns:a16="http://schemas.microsoft.com/office/drawing/2014/main" id="{AD9D6135-074B-4821-9E6B-6FB9E0BE98C7}"/>
-              </a:ext>
-            </a:extLst>
-          </p:cNvPr>
+          <p:cNvPr id="3" name="内容占位符 2"/>
           <p:cNvSpPr>
             <a:spLocks noGrp="1"/>
           </p:cNvSpPr>
@@ -17193,6 +16551,7 @@
               <a:rPr lang="zh-CN" altLang="zh-CN" sz="2800" dirty="0"/>
               <a:t>的定义有两种形式：</a:t>
             </a:r>
+            <a:endParaRPr lang="zh-CN" altLang="zh-CN" sz="2800" dirty="0"/>
           </a:p>
           <a:p>
             <a:pPr lvl="1" indent="-342900"/>
@@ -17295,6 +16654,7 @@
               <a:rPr lang="zh-CN" altLang="zh-CN" sz="2400" dirty="0"/>
               <a:t>一次，会把新的排列放到原来的空间里。</a:t>
             </a:r>
+            <a:endParaRPr lang="zh-CN" altLang="zh-CN" sz="2400" dirty="0"/>
           </a:p>
           <a:p>
             <a:r>
@@ -17359,13 +16719,7 @@
       </p:sp>
       <p:sp>
         <p:nvSpPr>
-          <p:cNvPr id="4" name="页脚占位符 3">
-            <a:extLst>
-              <a:ext uri="{FF2B5EF4-FFF2-40B4-BE49-F238E27FC236}">
-                <a16:creationId xmlns:a16="http://schemas.microsoft.com/office/drawing/2014/main" id="{B0DB4888-8401-46CC-BDC6-5F9D1726D3A7}"/>
-              </a:ext>
-            </a:extLst>
-          </p:cNvPr>
+          <p:cNvPr id="4" name="页脚占位符 3"/>
           <p:cNvSpPr>
             <a:spLocks noGrp="1"/>
           </p:cNvSpPr>
@@ -17390,11 +16744,6 @@
         </p:txBody>
       </p:sp>
     </p:spTree>
-    <p:extLst>
-      <p:ext uri="{BB962C8B-B14F-4D97-AF65-F5344CB8AC3E}">
-        <p14:creationId xmlns:p14="http://schemas.microsoft.com/office/powerpoint/2010/main" val="3460940553"/>
-      </p:ext>
-    </p:extLst>
   </p:cSld>
   <p:clrMapOvr>
     <a:masterClrMapping/>
@@ -17421,13 +16770,7 @@
       </p:grpSpPr>
       <p:sp>
         <p:nvSpPr>
-          <p:cNvPr id="2" name="标题 1">
-            <a:extLst>
-              <a:ext uri="{FF2B5EF4-FFF2-40B4-BE49-F238E27FC236}">
-                <a16:creationId xmlns:a16="http://schemas.microsoft.com/office/drawing/2014/main" id="{C10755B6-4696-4239-A463-44D71BF4F57B}"/>
-              </a:ext>
-            </a:extLst>
-          </p:cNvPr>
+          <p:cNvPr id="2" name="标题 1"/>
           <p:cNvSpPr>
             <a:spLocks noGrp="1"/>
           </p:cNvSpPr>
@@ -17474,13 +16817,7 @@
       </p:sp>
       <p:sp>
         <p:nvSpPr>
-          <p:cNvPr id="3" name="内容占位符 2">
-            <a:extLst>
-              <a:ext uri="{FF2B5EF4-FFF2-40B4-BE49-F238E27FC236}">
-                <a16:creationId xmlns:a16="http://schemas.microsoft.com/office/drawing/2014/main" id="{2E8C1B1B-0E81-45FE-AAA2-00D716606FFA}"/>
-              </a:ext>
-            </a:extLst>
-          </p:cNvPr>
+          <p:cNvPr id="3" name="内容占位符 2"/>
           <p:cNvSpPr>
             <a:spLocks noGrp="1"/>
           </p:cNvSpPr>
@@ -17529,6 +16866,7 @@
               <a:rPr lang="zh-CN" altLang="zh-CN" dirty="0"/>
               <a:t>小的序列。</a:t>
             </a:r>
+            <a:endParaRPr lang="zh-CN" altLang="zh-CN" dirty="0"/>
           </a:p>
           <a:p>
             <a:r>
@@ -17567,6 +16905,7 @@
               <a:rPr lang="zh-CN" altLang="zh-CN" sz="2800" dirty="0"/>
               <a:t>。</a:t>
             </a:r>
+            <a:endParaRPr lang="zh-CN" altLang="zh-CN" sz="2800" dirty="0"/>
           </a:p>
           <a:p>
             <a:r>
@@ -17587,13 +16926,7 @@
       </p:sp>
       <p:sp>
         <p:nvSpPr>
-          <p:cNvPr id="4" name="页脚占位符 3">
-            <a:extLst>
-              <a:ext uri="{FF2B5EF4-FFF2-40B4-BE49-F238E27FC236}">
-                <a16:creationId xmlns:a16="http://schemas.microsoft.com/office/drawing/2014/main" id="{BCDC9C71-3800-4530-A0A9-33B231630FA7}"/>
-              </a:ext>
-            </a:extLst>
-          </p:cNvPr>
+          <p:cNvPr id="4" name="页脚占位符 3"/>
           <p:cNvSpPr>
             <a:spLocks noGrp="1"/>
           </p:cNvSpPr>
@@ -17618,11 +16951,6 @@
         </p:txBody>
       </p:sp>
     </p:spTree>
-    <p:extLst>
-      <p:ext uri="{BB962C8B-B14F-4D97-AF65-F5344CB8AC3E}">
-        <p14:creationId xmlns:p14="http://schemas.microsoft.com/office/powerpoint/2010/main" val="67033659"/>
-      </p:ext>
-    </p:extLst>
   </p:cSld>
   <p:clrMapOvr>
     <a:masterClrMapping/>
@@ -17649,13 +16977,7 @@
       </p:grpSpPr>
       <p:sp>
         <p:nvSpPr>
-          <p:cNvPr id="3" name="内容占位符 2">
-            <a:extLst>
-              <a:ext uri="{FF2B5EF4-FFF2-40B4-BE49-F238E27FC236}">
-                <a16:creationId xmlns:a16="http://schemas.microsoft.com/office/drawing/2014/main" id="{6014A199-A636-4A8E-BD18-1253D48495CF}"/>
-              </a:ext>
-            </a:extLst>
-          </p:cNvPr>
+          <p:cNvPr id="3" name="内容占位符 2"/>
           <p:cNvSpPr>
             <a:spLocks noGrp="1"/>
           </p:cNvSpPr>
@@ -17780,6 +17102,7 @@
               <a:rPr lang="en-US" altLang="zh-CN" sz="2000" dirty="0"/>
               <a:t>++)</a:t>
             </a:r>
+            <a:endParaRPr lang="en-US" altLang="zh-CN" sz="2000" dirty="0"/>
           </a:p>
           <a:p>
             <a:pPr marL="0" indent="0">
@@ -17813,6 +17136,7 @@
               <a:rPr lang="zh-CN" altLang="zh-CN" sz="1800" dirty="0"/>
               <a:t>生成一个字典序最小的序列</a:t>
             </a:r>
+            <a:endParaRPr lang="zh-CN" altLang="zh-CN" sz="1800" dirty="0"/>
           </a:p>
           <a:p>
             <a:pPr marL="0" indent="0">
@@ -17936,6 +17260,7 @@
               <a:rPr lang="zh-CN" altLang="zh-CN" sz="2000" dirty="0"/>
               <a:t>大的字典序</a:t>
             </a:r>
+            <a:endParaRPr lang="zh-CN" altLang="zh-CN" sz="2000" dirty="0"/>
           </a:p>
           <a:p>
             <a:pPr marL="0" indent="0">
@@ -18029,13 +17354,7 @@
       </p:sp>
       <p:sp>
         <p:nvSpPr>
-          <p:cNvPr id="4" name="页脚占位符 3">
-            <a:extLst>
-              <a:ext uri="{FF2B5EF4-FFF2-40B4-BE49-F238E27FC236}">
-                <a16:creationId xmlns:a16="http://schemas.microsoft.com/office/drawing/2014/main" id="{C3D28293-B0C2-4C01-86E0-827DE4E4DFA6}"/>
-              </a:ext>
-            </a:extLst>
-          </p:cNvPr>
+          <p:cNvPr id="4" name="页脚占位符 3"/>
           <p:cNvSpPr>
             <a:spLocks noGrp="1"/>
           </p:cNvSpPr>
@@ -18060,11 +17379,6 @@
         </p:txBody>
       </p:sp>
     </p:spTree>
-    <p:extLst>
-      <p:ext uri="{BB962C8B-B14F-4D97-AF65-F5344CB8AC3E}">
-        <p14:creationId xmlns:p14="http://schemas.microsoft.com/office/powerpoint/2010/main" val="4093007903"/>
-      </p:ext>
-    </p:extLst>
   </p:cSld>
   <p:clrMapOvr>
     <a:masterClrMapping/>
@@ -18173,6 +17487,7 @@
               <a:rPr lang="en-US" altLang="zh-CN" sz="3200" dirty="0"/>
               <a:t>[1000000];</a:t>
             </a:r>
+            <a:endParaRPr lang="en-US" altLang="zh-CN" sz="3200" dirty="0"/>
           </a:p>
           <a:p>
             <a:pPr marL="914400" lvl="2" indent="0">
@@ -18201,18 +17516,13 @@
               <a:rPr lang="zh-CN" altLang="en-US" dirty="0"/>
               <a:t>建立动态数组，不易出错。</a:t>
             </a:r>
+            <a:endParaRPr lang="zh-CN" altLang="en-US" dirty="0"/>
           </a:p>
         </p:txBody>
       </p:sp>
       <p:sp>
         <p:nvSpPr>
-          <p:cNvPr id="4" name="页脚占位符 3">
-            <a:extLst>
-              <a:ext uri="{FF2B5EF4-FFF2-40B4-BE49-F238E27FC236}">
-                <a16:creationId xmlns:a16="http://schemas.microsoft.com/office/drawing/2014/main" id="{D10E4EB8-B4DE-4FFB-A739-4E02B12F6CD3}"/>
-              </a:ext>
-            </a:extLst>
-          </p:cNvPr>
+          <p:cNvPr id="4" name="页脚占位符 3"/>
           <p:cNvSpPr>
             <a:spLocks noGrp="1"/>
           </p:cNvSpPr>
@@ -18308,13 +17618,7 @@
       </p:sp>
       <p:sp>
         <p:nvSpPr>
-          <p:cNvPr id="4" name="页脚占位符 3">
-            <a:extLst>
-              <a:ext uri="{FF2B5EF4-FFF2-40B4-BE49-F238E27FC236}">
-                <a16:creationId xmlns:a16="http://schemas.microsoft.com/office/drawing/2014/main" id="{9E28942F-6A6E-4153-8D78-FF2F33634809}"/>
-              </a:ext>
-            </a:extLst>
-          </p:cNvPr>
+          <p:cNvPr id="4" name="页脚占位符 3"/>
           <p:cNvSpPr>
             <a:spLocks noGrp="1"/>
           </p:cNvSpPr>
@@ -18428,27 +17732,9 @@
                 <a:tableStyleId>{5C22544A-7EE6-4342-B048-85BDC9FD1C3A}</a:tableStyleId>
               </a:tblPr>
               <a:tblGrid>
-                <a:gridCol w="2628927">
-                  <a:extLst>
-                    <a:ext uri="{9D8B030D-6E8A-4147-A177-3AD203B41FA5}">
-                      <a16:colId xmlns:a16="http://schemas.microsoft.com/office/drawing/2014/main" val="20000"/>
-                    </a:ext>
-                  </a:extLst>
-                </a:gridCol>
-                <a:gridCol w="3526777">
-                  <a:extLst>
-                    <a:ext uri="{9D8B030D-6E8A-4147-A177-3AD203B41FA5}">
-                      <a16:colId xmlns:a16="http://schemas.microsoft.com/office/drawing/2014/main" val="20001"/>
-                    </a:ext>
-                  </a:extLst>
-                </a:gridCol>
-                <a:gridCol w="2880792">
-                  <a:extLst>
-                    <a:ext uri="{9D8B030D-6E8A-4147-A177-3AD203B41FA5}">
-                      <a16:colId xmlns:a16="http://schemas.microsoft.com/office/drawing/2014/main" val="20002"/>
-                    </a:ext>
-                  </a:extLst>
-                </a:gridCol>
+                <a:gridCol w="2628927"/>
+                <a:gridCol w="3526777"/>
+                <a:gridCol w="2880792"/>
               </a:tblGrid>
               <a:tr h="397945">
                 <a:tc>
@@ -18559,11 +17845,6 @@
                     </a:solidFill>
                   </a:tcPr>
                 </a:tc>
-                <a:extLst>
-                  <a:ext uri="{0D108BD9-81ED-4DB2-BD59-A6C34878D82A}">
-                    <a16:rowId xmlns:a16="http://schemas.microsoft.com/office/drawing/2014/main" val="10000"/>
-                  </a:ext>
-                </a:extLst>
               </a:tr>
               <a:tr h="363232">
                 <a:tc rowSpan="4">
@@ -18710,21 +17991,9 @@
                     </a:solidFill>
                   </a:tcPr>
                 </a:tc>
-                <a:extLst>
-                  <a:ext uri="{0D108BD9-81ED-4DB2-BD59-A6C34878D82A}">
-                    <a16:rowId xmlns:a16="http://schemas.microsoft.com/office/drawing/2014/main" val="10001"/>
-                  </a:ext>
-                </a:extLst>
               </a:tr>
               <a:tr h="363232">
                 <a:tc vMerge="1">
-                  <a:txBody>
-                    <a:bodyPr/>
-                    <a:lstStyle/>
-                    <a:p>
-                      <a:endParaRPr lang="zh-CN"/>
-                    </a:p>
-                  </a:txBody>
                   <a:tcPr/>
                 </a:tc>
                 <a:tc>
@@ -18826,21 +18095,9 @@
                     </a:solidFill>
                   </a:tcPr>
                 </a:tc>
-                <a:extLst>
-                  <a:ext uri="{0D108BD9-81ED-4DB2-BD59-A6C34878D82A}">
-                    <a16:rowId xmlns:a16="http://schemas.microsoft.com/office/drawing/2014/main" val="10002"/>
-                  </a:ext>
-                </a:extLst>
               </a:tr>
               <a:tr h="663242">
                 <a:tc vMerge="1">
-                  <a:txBody>
-                    <a:bodyPr/>
-                    <a:lstStyle/>
-                    <a:p>
-                      <a:endParaRPr lang="zh-CN"/>
-                    </a:p>
-                  </a:txBody>
                   <a:tcPr/>
                 </a:tc>
                 <a:tc>
@@ -18960,21 +18217,9 @@
                     </a:solidFill>
                   </a:tcPr>
                 </a:tc>
-                <a:extLst>
-                  <a:ext uri="{0D108BD9-81ED-4DB2-BD59-A6C34878D82A}">
-                    <a16:rowId xmlns:a16="http://schemas.microsoft.com/office/drawing/2014/main" val="10003"/>
-                  </a:ext>
-                </a:extLst>
               </a:tr>
               <a:tr h="363232">
                 <a:tc vMerge="1">
-                  <a:txBody>
-                    <a:bodyPr/>
-                    <a:lstStyle/>
-                    <a:p>
-                      <a:endParaRPr lang="zh-CN"/>
-                    </a:p>
-                  </a:txBody>
                   <a:tcPr/>
                 </a:tc>
                 <a:tc>
@@ -19076,11 +18321,6 @@
                     </a:solidFill>
                   </a:tcPr>
                 </a:tc>
-                <a:extLst>
-                  <a:ext uri="{0D108BD9-81ED-4DB2-BD59-A6C34878D82A}">
-                    <a16:rowId xmlns:a16="http://schemas.microsoft.com/office/drawing/2014/main" val="10004"/>
-                  </a:ext>
-                </a:extLst>
               </a:tr>
               <a:tr h="363232">
                 <a:tc rowSpan="3">
@@ -19236,21 +18476,9 @@
                     </a:solidFill>
                   </a:tcPr>
                 </a:tc>
-                <a:extLst>
-                  <a:ext uri="{0D108BD9-81ED-4DB2-BD59-A6C34878D82A}">
-                    <a16:rowId xmlns:a16="http://schemas.microsoft.com/office/drawing/2014/main" val="10005"/>
-                  </a:ext>
-                </a:extLst>
               </a:tr>
               <a:tr h="663242">
                 <a:tc vMerge="1">
-                  <a:txBody>
-                    <a:bodyPr/>
-                    <a:lstStyle/>
-                    <a:p>
-                      <a:endParaRPr lang="zh-CN"/>
-                    </a:p>
-                  </a:txBody>
                   <a:tcPr/>
                 </a:tc>
                 <a:tc>
@@ -19352,21 +18580,9 @@
                     </a:solidFill>
                   </a:tcPr>
                 </a:tc>
-                <a:extLst>
-                  <a:ext uri="{0D108BD9-81ED-4DB2-BD59-A6C34878D82A}">
-                    <a16:rowId xmlns:a16="http://schemas.microsoft.com/office/drawing/2014/main" val="10006"/>
-                  </a:ext>
-                </a:extLst>
               </a:tr>
               <a:tr h="726466">
                 <a:tc vMerge="1">
-                  <a:txBody>
-                    <a:bodyPr/>
-                    <a:lstStyle/>
-                    <a:p>
-                      <a:endParaRPr lang="zh-CN"/>
-                    </a:p>
-                  </a:txBody>
                   <a:tcPr/>
                 </a:tc>
                 <a:tc>
@@ -19468,11 +18684,6 @@
                     </a:solidFill>
                   </a:tcPr>
                 </a:tc>
-                <a:extLst>
-                  <a:ext uri="{0D108BD9-81ED-4DB2-BD59-A6C34878D82A}">
-                    <a16:rowId xmlns:a16="http://schemas.microsoft.com/office/drawing/2014/main" val="10007"/>
-                  </a:ext>
-                </a:extLst>
               </a:tr>
               <a:tr h="726466">
                 <a:tc>
@@ -19614,11 +18825,6 @@
                     </a:solidFill>
                   </a:tcPr>
                 </a:tc>
-                <a:extLst>
-                  <a:ext uri="{0D108BD9-81ED-4DB2-BD59-A6C34878D82A}">
-                    <a16:rowId xmlns:a16="http://schemas.microsoft.com/office/drawing/2014/main" val="10008"/>
-                  </a:ext>
-                </a:extLst>
               </a:tr>
             </a:tbl>
           </a:graphicData>
@@ -19626,13 +18832,7 @@
       </p:graphicFrame>
       <p:sp>
         <p:nvSpPr>
-          <p:cNvPr id="3" name="页脚占位符 2">
-            <a:extLst>
-              <a:ext uri="{FF2B5EF4-FFF2-40B4-BE49-F238E27FC236}">
-                <a16:creationId xmlns:a16="http://schemas.microsoft.com/office/drawing/2014/main" id="{FCE598D7-BBFF-4704-BD18-B23301F3E598}"/>
-              </a:ext>
-            </a:extLst>
-          </p:cNvPr>
+          <p:cNvPr id="3" name="页脚占位符 2"/>
           <p:cNvSpPr>
             <a:spLocks noGrp="1"/>
           </p:cNvSpPr>
@@ -19704,6 +18904,11 @@
               </a:rPr>
               <a:t>多维数组</a:t>
             </a:r>
+            <a:endParaRPr lang="zh-CN" altLang="en-US" sz="4000" dirty="0">
+              <a:solidFill>
+                <a:srgbClr val="0070C0"/>
+              </a:solidFill>
+            </a:endParaRPr>
           </a:p>
         </p:txBody>
       </p:sp>
@@ -19731,6 +18936,7 @@
               <a:rPr lang="zh-CN" altLang="zh-CN" dirty="0"/>
               <a:t>定义多维数组，例如定义一个二维数组：</a:t>
             </a:r>
+            <a:endParaRPr lang="zh-CN" altLang="zh-CN" dirty="0"/>
           </a:p>
           <a:p>
             <a:pPr marL="457200" lvl="1" indent="0">
@@ -19766,18 +18972,13 @@
               <a:rPr lang="zh-CN" altLang="en-US" dirty="0"/>
               <a:t>。</a:t>
             </a:r>
+            <a:endParaRPr lang="zh-CN" altLang="en-US" dirty="0"/>
           </a:p>
         </p:txBody>
       </p:sp>
       <p:sp>
         <p:nvSpPr>
-          <p:cNvPr id="4" name="页脚占位符 3">
-            <a:extLst>
-              <a:ext uri="{FF2B5EF4-FFF2-40B4-BE49-F238E27FC236}">
-                <a16:creationId xmlns:a16="http://schemas.microsoft.com/office/drawing/2014/main" id="{B8D23648-7BCD-4F1A-A591-A754DFAA53F7}"/>
-              </a:ext>
-            </a:extLst>
-          </p:cNvPr>
+          <p:cNvPr id="4" name="页脚占位符 3"/>
           <p:cNvSpPr>
             <a:spLocks noGrp="1"/>
           </p:cNvSpPr>
@@ -19803,20 +19004,14 @@
       </p:sp>
       <p:pic>
         <p:nvPicPr>
-          <p:cNvPr id="24580" name="Picture 4" descr="https://timgsa.baidu.com/timg?image&amp;quality=80&amp;size=b9999_10000&amp;sec=1555651941088&amp;di=df2799468459814d79c330b992855ca0&amp;imgtype=0&amp;src=http%3A%2F%2Fdingyue.nosdn.127.net%2FGDDuPXAT4pcNZh6hOheV0k9OwYbSuRnSaDdW4%3DzOj9Kr31539598189360.jpg">
-            <a:extLst>
-              <a:ext uri="{FF2B5EF4-FFF2-40B4-BE49-F238E27FC236}">
-                <a16:creationId xmlns:a16="http://schemas.microsoft.com/office/drawing/2014/main" id="{BAF6D7A7-3823-432A-BF09-F999EDB627B0}"/>
-              </a:ext>
-            </a:extLst>
-          </p:cNvPr>
+          <p:cNvPr id="24580" name="Picture 4" descr="https://timgsa.baidu.com/timg?image&amp;quality=80&amp;size=b9999_10000&amp;sec=1555651941088&amp;di=df2799468459814d79c330b992855ca0&amp;imgtype=0&amp;src=http%3A%2F%2Fdingyue.nosdn.127.net%2FGDDuPXAT4pcNZh6hOheV0k9OwYbSuRnSaDdW4%3DzOj9Kr31539598189360.jpg"/>
           <p:cNvPicPr>
             <a:picLocks noChangeAspect="1" noChangeArrowheads="1"/>
           </p:cNvPicPr>
           <p:nvPr/>
         </p:nvPicPr>
         <p:blipFill>
-          <a:blip r:embed="rId2">
+          <a:blip r:embed="rId1">
             <a:extLst>
               <a:ext uri="{28A0092B-C50C-407E-A947-70E740481C1C}">
                 <a14:useLocalDpi xmlns:a14="http://schemas.microsoft.com/office/drawing/2010/main" val="0"/>
@@ -19881,11 +19076,6 @@
           </p:cNvGraphicFramePr>
           <p:nvPr>
             <p:ph idx="1"/>
-            <p:extLst>
-              <p:ext uri="{D42A27DB-BD31-4B8C-83A1-F6EECF244321}">
-                <p14:modId xmlns:p14="http://schemas.microsoft.com/office/powerpoint/2010/main" val="1168997811"/>
-              </p:ext>
-            </p:extLst>
           </p:nvPr>
         </p:nvGraphicFramePr>
         <p:xfrm>
@@ -19899,27 +19089,9 @@
                 <a:tableStyleId>{5C22544A-7EE6-4342-B048-85BDC9FD1C3A}</a:tableStyleId>
               </a:tblPr>
               <a:tblGrid>
-                <a:gridCol w="2016224">
-                  <a:extLst>
-                    <a:ext uri="{9D8B030D-6E8A-4147-A177-3AD203B41FA5}">
-                      <a16:colId xmlns:a16="http://schemas.microsoft.com/office/drawing/2014/main" val="20000"/>
-                    </a:ext>
-                  </a:extLst>
-                </a:gridCol>
-                <a:gridCol w="3545330">
-                  <a:extLst>
-                    <a:ext uri="{9D8B030D-6E8A-4147-A177-3AD203B41FA5}">
-                      <a16:colId xmlns:a16="http://schemas.microsoft.com/office/drawing/2014/main" val="20001"/>
-                    </a:ext>
-                  </a:extLst>
-                </a:gridCol>
-                <a:gridCol w="3367439">
-                  <a:extLst>
-                    <a:ext uri="{9D8B030D-6E8A-4147-A177-3AD203B41FA5}">
-                      <a16:colId xmlns:a16="http://schemas.microsoft.com/office/drawing/2014/main" val="20002"/>
-                    </a:ext>
-                  </a:extLst>
-                </a:gridCol>
+                <a:gridCol w="2016224"/>
+                <a:gridCol w="3545330"/>
+                <a:gridCol w="3367439"/>
               </a:tblGrid>
               <a:tr h="393700">
                 <a:tc>
@@ -20030,11 +19202,6 @@
                     </a:solidFill>
                   </a:tcPr>
                 </a:tc>
-                <a:extLst>
-                  <a:ext uri="{0D108BD9-81ED-4DB2-BD59-A6C34878D82A}">
-                    <a16:rowId xmlns:a16="http://schemas.microsoft.com/office/drawing/2014/main" val="10000"/>
-                  </a:ext>
-                </a:extLst>
               </a:tr>
               <a:tr h="393421">
                 <a:tc>
@@ -20145,11 +19312,6 @@
                     </a:solidFill>
                   </a:tcPr>
                 </a:tc>
-                <a:extLst>
-                  <a:ext uri="{0D108BD9-81ED-4DB2-BD59-A6C34878D82A}">
-                    <a16:rowId xmlns:a16="http://schemas.microsoft.com/office/drawing/2014/main" val="10001"/>
-                  </a:ext>
-                </a:extLst>
               </a:tr>
               <a:tr h="393421">
                 <a:tc>
@@ -20260,11 +19422,6 @@
                     </a:solidFill>
                   </a:tcPr>
                 </a:tc>
-                <a:extLst>
-                  <a:ext uri="{0D108BD9-81ED-4DB2-BD59-A6C34878D82A}">
-                    <a16:rowId xmlns:a16="http://schemas.microsoft.com/office/drawing/2014/main" val="10002"/>
-                  </a:ext>
-                </a:extLst>
               </a:tr>
               <a:tr h="393421">
                 <a:tc>
@@ -20375,11 +19532,6 @@
                     </a:solidFill>
                   </a:tcPr>
                 </a:tc>
-                <a:extLst>
-                  <a:ext uri="{0D108BD9-81ED-4DB2-BD59-A6C34878D82A}">
-                    <a16:rowId xmlns:a16="http://schemas.microsoft.com/office/drawing/2014/main" val="10003"/>
-                  </a:ext>
-                </a:extLst>
               </a:tr>
               <a:tr h="393421">
                 <a:tc>
@@ -20490,11 +19642,6 @@
                     </a:solidFill>
                   </a:tcPr>
                 </a:tc>
-                <a:extLst>
-                  <a:ext uri="{0D108BD9-81ED-4DB2-BD59-A6C34878D82A}">
-                    <a16:rowId xmlns:a16="http://schemas.microsoft.com/office/drawing/2014/main" val="10004"/>
-                  </a:ext>
-                </a:extLst>
               </a:tr>
               <a:tr h="393421">
                 <a:tc>
@@ -20632,11 +19779,6 @@
                     </a:solidFill>
                   </a:tcPr>
                 </a:tc>
-                <a:extLst>
-                  <a:ext uri="{0D108BD9-81ED-4DB2-BD59-A6C34878D82A}">
-                    <a16:rowId xmlns:a16="http://schemas.microsoft.com/office/drawing/2014/main" val="10005"/>
-                  </a:ext>
-                </a:extLst>
               </a:tr>
               <a:tr h="393421">
                 <a:tc>
@@ -20765,11 +19907,6 @@
                     </a:solidFill>
                   </a:tcPr>
                 </a:tc>
-                <a:extLst>
-                  <a:ext uri="{0D108BD9-81ED-4DB2-BD59-A6C34878D82A}">
-                    <a16:rowId xmlns:a16="http://schemas.microsoft.com/office/drawing/2014/main" val="10006"/>
-                  </a:ext>
-                </a:extLst>
               </a:tr>
               <a:tr h="393421">
                 <a:tc>
@@ -20916,11 +20053,6 @@
                     </a:solidFill>
                   </a:tcPr>
                 </a:tc>
-                <a:extLst>
-                  <a:ext uri="{0D108BD9-81ED-4DB2-BD59-A6C34878D82A}">
-                    <a16:rowId xmlns:a16="http://schemas.microsoft.com/office/drawing/2014/main" val="10007"/>
-                  </a:ext>
-                </a:extLst>
               </a:tr>
               <a:tr h="393421">
                 <a:tc>
@@ -21031,11 +20163,6 @@
                     </a:solidFill>
                   </a:tcPr>
                 </a:tc>
-                <a:extLst>
-                  <a:ext uri="{0D108BD9-81ED-4DB2-BD59-A6C34878D82A}">
-                    <a16:rowId xmlns:a16="http://schemas.microsoft.com/office/drawing/2014/main" val="10008"/>
-                  </a:ext>
-                </a:extLst>
               </a:tr>
               <a:tr h="786842">
                 <a:tc>
@@ -21164,11 +20291,6 @@
                     </a:solidFill>
                   </a:tcPr>
                 </a:tc>
-                <a:extLst>
-                  <a:ext uri="{0D108BD9-81ED-4DB2-BD59-A6C34878D82A}">
-                    <a16:rowId xmlns:a16="http://schemas.microsoft.com/office/drawing/2014/main" val="10009"/>
-                  </a:ext>
-                </a:extLst>
               </a:tr>
               <a:tr h="393421">
                 <a:tc>
@@ -21297,11 +20419,6 @@
                     </a:solidFill>
                   </a:tcPr>
                 </a:tc>
-                <a:extLst>
-                  <a:ext uri="{0D108BD9-81ED-4DB2-BD59-A6C34878D82A}">
-                    <a16:rowId xmlns:a16="http://schemas.microsoft.com/office/drawing/2014/main" val="10010"/>
-                  </a:ext>
-                </a:extLst>
               </a:tr>
               <a:tr h="393421">
                 <a:tc>
@@ -21421,11 +20538,6 @@
                     </a:solidFill>
                   </a:tcPr>
                 </a:tc>
-                <a:extLst>
-                  <a:ext uri="{0D108BD9-81ED-4DB2-BD59-A6C34878D82A}">
-                    <a16:rowId xmlns:a16="http://schemas.microsoft.com/office/drawing/2014/main" val="10011"/>
-                  </a:ext>
-                </a:extLst>
               </a:tr>
               <a:tr h="393421">
                 <a:tc>
@@ -21536,11 +20648,6 @@
                     </a:solidFill>
                   </a:tcPr>
                 </a:tc>
-                <a:extLst>
-                  <a:ext uri="{0D108BD9-81ED-4DB2-BD59-A6C34878D82A}">
-                    <a16:rowId xmlns:a16="http://schemas.microsoft.com/office/drawing/2014/main" val="10012"/>
-                  </a:ext>
-                </a:extLst>
               </a:tr>
               <a:tr h="651415">
                 <a:tc>
@@ -21669,11 +20776,6 @@
                     </a:solidFill>
                   </a:tcPr>
                 </a:tc>
-                <a:extLst>
-                  <a:ext uri="{0D108BD9-81ED-4DB2-BD59-A6C34878D82A}">
-                    <a16:rowId xmlns:a16="http://schemas.microsoft.com/office/drawing/2014/main" val="10013"/>
-                  </a:ext>
-                </a:extLst>
               </a:tr>
               <a:tr h="393421">
                 <a:tc>
@@ -21802,11 +20904,6 @@
                     </a:solidFill>
                   </a:tcPr>
                 </a:tc>
-                <a:extLst>
-                  <a:ext uri="{0D108BD9-81ED-4DB2-BD59-A6C34878D82A}">
-                    <a16:rowId xmlns:a16="http://schemas.microsoft.com/office/drawing/2014/main" val="10014"/>
-                  </a:ext>
-                </a:extLst>
               </a:tr>
             </a:tbl>
           </a:graphicData>
@@ -21814,13 +20911,7 @@
       </p:graphicFrame>
       <p:sp>
         <p:nvSpPr>
-          <p:cNvPr id="2" name="页脚占位符 1">
-            <a:extLst>
-              <a:ext uri="{FF2B5EF4-FFF2-40B4-BE49-F238E27FC236}">
-                <a16:creationId xmlns:a16="http://schemas.microsoft.com/office/drawing/2014/main" id="{703236C8-73DA-44E2-A8DB-8775B3354626}"/>
-              </a:ext>
-            </a:extLst>
-          </p:cNvPr>
+          <p:cNvPr id="2" name="页脚占位符 1"/>
           <p:cNvSpPr>
             <a:spLocks noGrp="1"/>
           </p:cNvSpPr>
@@ -21853,7 +20944,7 @@
 </file>
 
 <file path=ppt/tags/tag1.xml><?xml version="1.0" encoding="utf-8"?>
-<p:tagLst xmlns:a="http://schemas.openxmlformats.org/drawingml/2006/main" xmlns:r="http://schemas.openxmlformats.org/officeDocument/2006/relationships" xmlns:p="http://schemas.openxmlformats.org/presentationml/2006/main">
+<p:tagLst xmlns:p="http://schemas.openxmlformats.org/presentationml/2006/main">
   <p:tag name="KSO_WM_DOC_GUID" val="{fbc15bb2-d263-4c42-85e7-358267775f15}"/>
 </p:tagLst>
 </file>
@@ -22078,7 +21169,6 @@
       </a:bgFillStyleLst>
     </a:fmtScheme>
   </a:themeElements>
-  <a:objectDefaults/>
   <a:extraClrSchemeLst>
     <a:extraClrScheme>
       <a:clrScheme name="默认设计模板 1">
@@ -22832,8 +21922,6 @@
       </a:bgFillStyleLst>
     </a:fmtScheme>
   </a:themeElements>
-  <a:objectDefaults/>
-  <a:extraClrSchemeLst/>
   <a:extLst>
     <a:ext uri="{05A4C25C-085E-4340-85A3-A5531E510DB2}">
       <thm15:themeFamily xmlns:thm15="http://schemas.microsoft.com/office/thememl/2012/main" name="Office Theme" id="{62F939B6-93AF-4DB8-9C6B-D6C7DFDC589F}" vid="{4A3C46E8-61CC-4603-A589-7422A47A8E4A}"/>
@@ -23093,8 +22181,6 @@
       </a:bgFillStyleLst>
     </a:fmtScheme>
   </a:themeElements>
-  <a:objectDefaults/>
-  <a:extraClrSchemeLst/>
   <a:extLst>
     <a:ext uri="{05A4C25C-085E-4340-85A3-A5531E510DB2}">
       <thm15:themeFamily xmlns:thm15="http://schemas.microsoft.com/office/thememl/2012/main" name="Office Theme" id="{62F939B6-93AF-4DB8-9C6B-D6C7DFDC589F}" vid="{4A3C46E8-61CC-4603-A589-7422A47A8E4A}"/>
